--- a/Figure-5-1/Figure51/Figure51_blog.pptx
+++ b/Figure-5-1/Figure51/Figure51_blog.pptx
@@ -697,6 +697,60 @@
             <a:r>
               <a:rPr/>
               <a:t>2020-21</a:t>
+            </a:r>
+          </a:p>
+          <a:p>
+            <a:pPr lvl="0" marL="0" indent="0">
+              <a:buNone/>
+            </a:pPr>
+          </a:p>
+          <a:p>
+            <a:pPr lvl="0" marL="0" indent="0">
+              <a:buNone/>
+            </a:pPr>
+            <a:r>
+              <a:rPr/>
+              <a:t>Source:</a:t>
+            </a:r>
+            <a:r>
+              <a:rPr/>
+              <a:t> </a:t>
+            </a:r>
+            <a:r>
+              <a:rPr/>
+              <a:t>ATO</a:t>
+            </a:r>
+            <a:r>
+              <a:rPr/>
+              <a:t> </a:t>
+            </a:r>
+            <a:r>
+              <a:rPr/>
+              <a:t>2017-18</a:t>
+            </a:r>
+            <a:r>
+              <a:rPr/>
+              <a:t> </a:t>
+            </a:r>
+            <a:r>
+              <a:rPr/>
+              <a:t>2%</a:t>
+            </a:r>
+            <a:r>
+              <a:rPr/>
+              <a:t> </a:t>
+            </a:r>
+            <a:r>
+              <a:rPr/>
+              <a:t>sample</a:t>
+            </a:r>
+            <a:r>
+              <a:rPr/>
+              <a:t> </a:t>
+            </a:r>
+            <a:r>
+              <a:rPr/>
+              <a:t>file</a:t>
             </a:r>
           </a:p>
           <a:p>
@@ -4194,8 +4248,8 @@
           </p:nvSpPr>
           <p:spPr>
             <a:xfrm>
-              <a:off x="1414647" y="1231200"/>
-              <a:ext cx="6300305" cy="5536800"/>
+              <a:off x="1568300" y="1231200"/>
+              <a:ext cx="5992998" cy="5536800"/>
             </a:xfrm>
             <a:prstGeom prst="rect">
               <a:avLst/>
@@ -4220,8 +4274,8 @@
           </p:nvSpPr>
           <p:spPr>
             <a:xfrm>
-              <a:off x="1473412" y="1322639"/>
-              <a:ext cx="5276477" cy="5276477"/>
+              <a:off x="1627066" y="1322639"/>
+              <a:ext cx="4969170" cy="4969170"/>
             </a:xfrm>
             <a:prstGeom prst="rect">
               <a:avLst/>
@@ -4246,195 +4300,195 @@
           </p:nvSpPr>
           <p:spPr>
             <a:xfrm>
-              <a:off x="4111651" y="1850287"/>
-              <a:ext cx="261452" cy="2110591"/>
+              <a:off x="4111651" y="1819557"/>
+              <a:ext cx="246225" cy="1987668"/>
             </a:xfrm>
             <a:custGeom>
               <a:avLst/>
               <a:pathLst>
-                <a:path w="261452" h="2110591">
+                <a:path w="246225" h="1987668">
                   <a:moveTo>
-                    <a:pt x="0" y="2110591"/>
+                    <a:pt x="0" y="1987668"/>
                   </a:moveTo>
                   <a:lnTo>
-                    <a:pt x="9015" y="2038372"/>
-                  </a:lnTo>
-                  <a:lnTo>
-                    <a:pt x="18031" y="1966154"/>
-                  </a:lnTo>
-                  <a:lnTo>
-                    <a:pt x="27046" y="1893935"/>
-                  </a:lnTo>
-                  <a:lnTo>
-                    <a:pt x="36062" y="1821717"/>
-                  </a:lnTo>
-                  <a:lnTo>
-                    <a:pt x="45077" y="1749498"/>
-                  </a:lnTo>
-                  <a:lnTo>
-                    <a:pt x="54093" y="1677280"/>
-                  </a:lnTo>
-                  <a:lnTo>
-                    <a:pt x="63109" y="1605062"/>
-                  </a:lnTo>
-                  <a:lnTo>
-                    <a:pt x="72124" y="1532843"/>
-                  </a:lnTo>
-                  <a:lnTo>
-                    <a:pt x="81140" y="1460625"/>
-                  </a:lnTo>
-                  <a:lnTo>
-                    <a:pt x="90155" y="1388406"/>
-                  </a:lnTo>
-                  <a:lnTo>
-                    <a:pt x="99171" y="1316188"/>
-                  </a:lnTo>
-                  <a:lnTo>
-                    <a:pt x="108187" y="1243969"/>
-                  </a:lnTo>
-                  <a:lnTo>
-                    <a:pt x="117202" y="1171751"/>
-                  </a:lnTo>
-                  <a:lnTo>
-                    <a:pt x="126218" y="1099532"/>
-                  </a:lnTo>
-                  <a:lnTo>
-                    <a:pt x="135233" y="1027314"/>
-                  </a:lnTo>
-                  <a:lnTo>
-                    <a:pt x="144249" y="955096"/>
-                  </a:lnTo>
-                  <a:lnTo>
-                    <a:pt x="153265" y="882877"/>
-                  </a:lnTo>
-                  <a:lnTo>
-                    <a:pt x="162280" y="810659"/>
-                  </a:lnTo>
-                  <a:lnTo>
-                    <a:pt x="171296" y="738440"/>
-                  </a:lnTo>
-                  <a:lnTo>
-                    <a:pt x="180311" y="666222"/>
-                  </a:lnTo>
-                  <a:lnTo>
-                    <a:pt x="189327" y="594003"/>
-                  </a:lnTo>
-                  <a:lnTo>
-                    <a:pt x="198343" y="521785"/>
-                  </a:lnTo>
-                  <a:lnTo>
-                    <a:pt x="207358" y="449567"/>
-                  </a:lnTo>
-                  <a:lnTo>
-                    <a:pt x="216374" y="377348"/>
-                  </a:lnTo>
-                  <a:lnTo>
-                    <a:pt x="225389" y="305130"/>
-                  </a:lnTo>
-                  <a:lnTo>
-                    <a:pt x="234405" y="232911"/>
-                  </a:lnTo>
-                  <a:lnTo>
-                    <a:pt x="243421" y="160693"/>
-                  </a:lnTo>
-                  <a:lnTo>
-                    <a:pt x="252436" y="88474"/>
-                  </a:lnTo>
-                  <a:lnTo>
-                    <a:pt x="261452" y="16256"/>
-                  </a:lnTo>
-                  <a:lnTo>
-                    <a:pt x="174550" y="7230"/>
-                  </a:lnTo>
-                  <a:lnTo>
-                    <a:pt x="87350" y="1808"/>
+                    <a:pt x="8490" y="1919655"/>
+                  </a:lnTo>
+                  <a:lnTo>
+                    <a:pt x="16981" y="1851643"/>
+                  </a:lnTo>
+                  <a:lnTo>
+                    <a:pt x="25471" y="1783631"/>
+                  </a:lnTo>
+                  <a:lnTo>
+                    <a:pt x="33962" y="1715618"/>
+                  </a:lnTo>
+                  <a:lnTo>
+                    <a:pt x="42452" y="1647606"/>
+                  </a:lnTo>
+                  <a:lnTo>
+                    <a:pt x="50943" y="1579594"/>
+                  </a:lnTo>
+                  <a:lnTo>
+                    <a:pt x="59433" y="1511581"/>
+                  </a:lnTo>
+                  <a:lnTo>
+                    <a:pt x="67924" y="1443569"/>
+                  </a:lnTo>
+                  <a:lnTo>
+                    <a:pt x="76414" y="1375557"/>
+                  </a:lnTo>
+                  <a:lnTo>
+                    <a:pt x="84905" y="1307544"/>
+                  </a:lnTo>
+                  <a:lnTo>
+                    <a:pt x="93395" y="1239532"/>
+                  </a:lnTo>
+                  <a:lnTo>
+                    <a:pt x="101886" y="1171519"/>
+                  </a:lnTo>
+                  <a:lnTo>
+                    <a:pt x="110376" y="1103507"/>
+                  </a:lnTo>
+                  <a:lnTo>
+                    <a:pt x="118867" y="1035495"/>
+                  </a:lnTo>
+                  <a:lnTo>
+                    <a:pt x="127357" y="967482"/>
+                  </a:lnTo>
+                  <a:lnTo>
+                    <a:pt x="135848" y="899470"/>
+                  </a:lnTo>
+                  <a:lnTo>
+                    <a:pt x="144338" y="831458"/>
+                  </a:lnTo>
+                  <a:lnTo>
+                    <a:pt x="152829" y="763445"/>
+                  </a:lnTo>
+                  <a:lnTo>
+                    <a:pt x="161319" y="695433"/>
+                  </a:lnTo>
+                  <a:lnTo>
+                    <a:pt x="169810" y="627420"/>
+                  </a:lnTo>
+                  <a:lnTo>
+                    <a:pt x="178300" y="559408"/>
+                  </a:lnTo>
+                  <a:lnTo>
+                    <a:pt x="186791" y="491396"/>
+                  </a:lnTo>
+                  <a:lnTo>
+                    <a:pt x="195281" y="423383"/>
+                  </a:lnTo>
+                  <a:lnTo>
+                    <a:pt x="203772" y="355371"/>
+                  </a:lnTo>
+                  <a:lnTo>
+                    <a:pt x="212263" y="287359"/>
+                  </a:lnTo>
+                  <a:lnTo>
+                    <a:pt x="220753" y="219346"/>
+                  </a:lnTo>
+                  <a:lnTo>
+                    <a:pt x="229244" y="151334"/>
+                  </a:lnTo>
+                  <a:lnTo>
+                    <a:pt x="237734" y="83322"/>
+                  </a:lnTo>
+                  <a:lnTo>
+                    <a:pt x="246225" y="15309"/>
+                  </a:lnTo>
+                  <a:lnTo>
+                    <a:pt x="164384" y="6809"/>
+                  </a:lnTo>
+                  <a:lnTo>
+                    <a:pt x="82262" y="1703"/>
                   </a:lnTo>
                   <a:lnTo>
                     <a:pt x="0" y="0"/>
                   </a:lnTo>
                   <a:lnTo>
-                    <a:pt x="0" y="72779"/>
-                  </a:lnTo>
-                  <a:lnTo>
-                    <a:pt x="0" y="145558"/>
-                  </a:lnTo>
-                  <a:lnTo>
-                    <a:pt x="0" y="218337"/>
-                  </a:lnTo>
-                  <a:lnTo>
-                    <a:pt x="0" y="291116"/>
-                  </a:lnTo>
-                  <a:lnTo>
-                    <a:pt x="0" y="363895"/>
-                  </a:lnTo>
-                  <a:lnTo>
-                    <a:pt x="0" y="436674"/>
-                  </a:lnTo>
-                  <a:lnTo>
-                    <a:pt x="0" y="509453"/>
-                  </a:lnTo>
-                  <a:lnTo>
-                    <a:pt x="0" y="582232"/>
-                  </a:lnTo>
-                  <a:lnTo>
-                    <a:pt x="0" y="655011"/>
-                  </a:lnTo>
-                  <a:lnTo>
-                    <a:pt x="0" y="727790"/>
-                  </a:lnTo>
-                  <a:lnTo>
-                    <a:pt x="0" y="800569"/>
-                  </a:lnTo>
-                  <a:lnTo>
-                    <a:pt x="0" y="873348"/>
-                  </a:lnTo>
-                  <a:lnTo>
-                    <a:pt x="0" y="946127"/>
-                  </a:lnTo>
-                  <a:lnTo>
-                    <a:pt x="0" y="1018906"/>
-                  </a:lnTo>
-                  <a:lnTo>
-                    <a:pt x="0" y="1091685"/>
-                  </a:lnTo>
-                  <a:lnTo>
-                    <a:pt x="0" y="1164464"/>
-                  </a:lnTo>
-                  <a:lnTo>
-                    <a:pt x="0" y="1237243"/>
-                  </a:lnTo>
-                  <a:lnTo>
-                    <a:pt x="0" y="1310022"/>
-                  </a:lnTo>
-                  <a:lnTo>
-                    <a:pt x="0" y="1382801"/>
-                  </a:lnTo>
-                  <a:lnTo>
-                    <a:pt x="0" y="1455580"/>
-                  </a:lnTo>
-                  <a:lnTo>
-                    <a:pt x="0" y="1528359"/>
-                  </a:lnTo>
-                  <a:lnTo>
-                    <a:pt x="0" y="1601138"/>
-                  </a:lnTo>
-                  <a:lnTo>
-                    <a:pt x="0" y="1673917"/>
-                  </a:lnTo>
-                  <a:lnTo>
-                    <a:pt x="0" y="1746696"/>
-                  </a:lnTo>
-                  <a:lnTo>
-                    <a:pt x="0" y="1819475"/>
-                  </a:lnTo>
-                  <a:lnTo>
-                    <a:pt x="0" y="1892254"/>
-                  </a:lnTo>
-                  <a:lnTo>
-                    <a:pt x="0" y="1965033"/>
-                  </a:lnTo>
-                  <a:lnTo>
-                    <a:pt x="0" y="2037812"/>
+                    <a:pt x="0" y="68540"/>
+                  </a:lnTo>
+                  <a:lnTo>
+                    <a:pt x="0" y="137080"/>
+                  </a:lnTo>
+                  <a:lnTo>
+                    <a:pt x="0" y="205620"/>
+                  </a:lnTo>
+                  <a:lnTo>
+                    <a:pt x="0" y="274161"/>
+                  </a:lnTo>
+                  <a:lnTo>
+                    <a:pt x="0" y="342701"/>
+                  </a:lnTo>
+                  <a:lnTo>
+                    <a:pt x="0" y="411241"/>
+                  </a:lnTo>
+                  <a:lnTo>
+                    <a:pt x="0" y="479782"/>
+                  </a:lnTo>
+                  <a:lnTo>
+                    <a:pt x="0" y="548322"/>
+                  </a:lnTo>
+                  <a:lnTo>
+                    <a:pt x="0" y="616862"/>
+                  </a:lnTo>
+                  <a:lnTo>
+                    <a:pt x="0" y="685402"/>
+                  </a:lnTo>
+                  <a:lnTo>
+                    <a:pt x="0" y="753943"/>
+                  </a:lnTo>
+                  <a:lnTo>
+                    <a:pt x="0" y="822483"/>
+                  </a:lnTo>
+                  <a:lnTo>
+                    <a:pt x="0" y="891023"/>
+                  </a:lnTo>
+                  <a:lnTo>
+                    <a:pt x="0" y="959564"/>
+                  </a:lnTo>
+                  <a:lnTo>
+                    <a:pt x="0" y="1028104"/>
+                  </a:lnTo>
+                  <a:lnTo>
+                    <a:pt x="0" y="1096644"/>
+                  </a:lnTo>
+                  <a:lnTo>
+                    <a:pt x="0" y="1165184"/>
+                  </a:lnTo>
+                  <a:lnTo>
+                    <a:pt x="0" y="1233725"/>
+                  </a:lnTo>
+                  <a:lnTo>
+                    <a:pt x="0" y="1302265"/>
+                  </a:lnTo>
+                  <a:lnTo>
+                    <a:pt x="0" y="1370805"/>
+                  </a:lnTo>
+                  <a:lnTo>
+                    <a:pt x="0" y="1439346"/>
+                  </a:lnTo>
+                  <a:lnTo>
+                    <a:pt x="0" y="1507886"/>
+                  </a:lnTo>
+                  <a:lnTo>
+                    <a:pt x="0" y="1576426"/>
+                  </a:lnTo>
+                  <a:lnTo>
+                    <a:pt x="0" y="1644966"/>
+                  </a:lnTo>
+                  <a:lnTo>
+                    <a:pt x="0" y="1713507"/>
+                  </a:lnTo>
+                  <a:lnTo>
+                    <a:pt x="0" y="1782047"/>
+                  </a:lnTo>
+                  <a:lnTo>
+                    <a:pt x="0" y="1850587"/>
+                  </a:lnTo>
+                  <a:lnTo>
+                    <a:pt x="0" y="1919128"/>
                   </a:lnTo>
                   <a:close/>
                 </a:path>
@@ -4469,228 +4523,228 @@
           </p:nvSpPr>
           <p:spPr>
             <a:xfrm>
-              <a:off x="4111651" y="1866544"/>
-              <a:ext cx="1204041" cy="2094334"/>
+              <a:off x="4111651" y="1834866"/>
+              <a:ext cx="1133917" cy="1972358"/>
             </a:xfrm>
             <a:custGeom>
               <a:avLst/>
               <a:pathLst>
-                <a:path w="1204041" h="2094334">
+                <a:path w="1133917" h="1972358">
                   <a:moveTo>
-                    <a:pt x="0" y="2094334"/>
+                    <a:pt x="0" y="1972358"/>
                   </a:moveTo>
                   <a:lnTo>
-                    <a:pt x="41518" y="2034560"/>
-                  </a:lnTo>
-                  <a:lnTo>
-                    <a:pt x="83037" y="1974785"/>
-                  </a:lnTo>
-                  <a:lnTo>
-                    <a:pt x="124556" y="1915011"/>
-                  </a:lnTo>
-                  <a:lnTo>
-                    <a:pt x="166074" y="1855236"/>
-                  </a:lnTo>
-                  <a:lnTo>
-                    <a:pt x="207593" y="1795462"/>
-                  </a:lnTo>
-                  <a:lnTo>
-                    <a:pt x="249112" y="1735688"/>
-                  </a:lnTo>
-                  <a:lnTo>
-                    <a:pt x="290630" y="1675913"/>
-                  </a:lnTo>
-                  <a:lnTo>
-                    <a:pt x="332149" y="1616139"/>
-                  </a:lnTo>
-                  <a:lnTo>
-                    <a:pt x="373668" y="1556364"/>
-                  </a:lnTo>
-                  <a:lnTo>
-                    <a:pt x="415186" y="1496590"/>
-                  </a:lnTo>
-                  <a:lnTo>
-                    <a:pt x="456705" y="1436815"/>
-                  </a:lnTo>
-                  <a:lnTo>
-                    <a:pt x="498224" y="1377041"/>
-                  </a:lnTo>
-                  <a:lnTo>
-                    <a:pt x="539742" y="1317267"/>
-                  </a:lnTo>
-                  <a:lnTo>
-                    <a:pt x="581261" y="1257492"/>
-                  </a:lnTo>
-                  <a:lnTo>
-                    <a:pt x="622780" y="1197718"/>
-                  </a:lnTo>
-                  <a:lnTo>
-                    <a:pt x="664298" y="1137943"/>
-                  </a:lnTo>
-                  <a:lnTo>
-                    <a:pt x="705817" y="1078169"/>
-                  </a:lnTo>
-                  <a:lnTo>
-                    <a:pt x="747336" y="1018394"/>
-                  </a:lnTo>
-                  <a:lnTo>
-                    <a:pt x="788855" y="958620"/>
-                  </a:lnTo>
-                  <a:lnTo>
-                    <a:pt x="830373" y="898846"/>
-                  </a:lnTo>
-                  <a:lnTo>
-                    <a:pt x="871892" y="839071"/>
-                  </a:lnTo>
-                  <a:lnTo>
-                    <a:pt x="913411" y="779297"/>
-                  </a:lnTo>
-                  <a:lnTo>
-                    <a:pt x="954929" y="719522"/>
-                  </a:lnTo>
-                  <a:lnTo>
-                    <a:pt x="996448" y="659748"/>
-                  </a:lnTo>
-                  <a:lnTo>
-                    <a:pt x="1037967" y="599973"/>
-                  </a:lnTo>
-                  <a:lnTo>
-                    <a:pt x="1079485" y="540199"/>
-                  </a:lnTo>
-                  <a:lnTo>
-                    <a:pt x="1121004" y="480425"/>
-                  </a:lnTo>
-                  <a:lnTo>
-                    <a:pt x="1162523" y="420650"/>
-                  </a:lnTo>
-                  <a:lnTo>
-                    <a:pt x="1204041" y="360876"/>
-                  </a:lnTo>
-                  <a:lnTo>
-                    <a:pt x="1143546" y="320385"/>
-                  </a:lnTo>
-                  <a:lnTo>
-                    <a:pt x="1081691" y="282005"/>
-                  </a:lnTo>
-                  <a:lnTo>
-                    <a:pt x="1018549" y="245780"/>
-                  </a:lnTo>
-                  <a:lnTo>
-                    <a:pt x="954195" y="211755"/>
-                  </a:lnTo>
-                  <a:lnTo>
-                    <a:pt x="888706" y="179969"/>
-                  </a:lnTo>
-                  <a:lnTo>
-                    <a:pt x="822160" y="150460"/>
-                  </a:lnTo>
-                  <a:lnTo>
-                    <a:pt x="754636" y="123264"/>
-                  </a:lnTo>
-                  <a:lnTo>
-                    <a:pt x="686214" y="98412"/>
-                  </a:lnTo>
-                  <a:lnTo>
-                    <a:pt x="616976" y="75935"/>
-                  </a:lnTo>
-                  <a:lnTo>
-                    <a:pt x="547004" y="55859"/>
-                  </a:lnTo>
-                  <a:lnTo>
-                    <a:pt x="476381" y="38208"/>
-                  </a:lnTo>
-                  <a:lnTo>
-                    <a:pt x="405192" y="23003"/>
-                  </a:lnTo>
-                  <a:lnTo>
-                    <a:pt x="333520" y="10261"/>
-                  </a:lnTo>
-                  <a:lnTo>
-                    <a:pt x="261452" y="0"/>
-                  </a:lnTo>
-                  <a:lnTo>
-                    <a:pt x="252436" y="72218"/>
-                  </a:lnTo>
-                  <a:lnTo>
-                    <a:pt x="243421" y="144436"/>
-                  </a:lnTo>
-                  <a:lnTo>
-                    <a:pt x="234405" y="216655"/>
-                  </a:lnTo>
-                  <a:lnTo>
-                    <a:pt x="225389" y="288873"/>
-                  </a:lnTo>
-                  <a:lnTo>
-                    <a:pt x="216374" y="361092"/>
-                  </a:lnTo>
-                  <a:lnTo>
-                    <a:pt x="207358" y="433310"/>
-                  </a:lnTo>
-                  <a:lnTo>
-                    <a:pt x="198343" y="505529"/>
-                  </a:lnTo>
-                  <a:lnTo>
-                    <a:pt x="189327" y="577747"/>
-                  </a:lnTo>
-                  <a:lnTo>
-                    <a:pt x="180311" y="649965"/>
-                  </a:lnTo>
-                  <a:lnTo>
-                    <a:pt x="171296" y="722184"/>
-                  </a:lnTo>
-                  <a:lnTo>
-                    <a:pt x="162280" y="794402"/>
-                  </a:lnTo>
-                  <a:lnTo>
-                    <a:pt x="153265" y="866621"/>
-                  </a:lnTo>
-                  <a:lnTo>
-                    <a:pt x="144249" y="938839"/>
-                  </a:lnTo>
-                  <a:lnTo>
-                    <a:pt x="135233" y="1011058"/>
-                  </a:lnTo>
-                  <a:lnTo>
-                    <a:pt x="126218" y="1083276"/>
-                  </a:lnTo>
-                  <a:lnTo>
-                    <a:pt x="117202" y="1155494"/>
-                  </a:lnTo>
-                  <a:lnTo>
-                    <a:pt x="108187" y="1227713"/>
-                  </a:lnTo>
-                  <a:lnTo>
-                    <a:pt x="99171" y="1299931"/>
-                  </a:lnTo>
-                  <a:lnTo>
-                    <a:pt x="90155" y="1372150"/>
-                  </a:lnTo>
-                  <a:lnTo>
-                    <a:pt x="81140" y="1444368"/>
-                  </a:lnTo>
-                  <a:lnTo>
-                    <a:pt x="72124" y="1516587"/>
-                  </a:lnTo>
-                  <a:lnTo>
-                    <a:pt x="63109" y="1588805"/>
-                  </a:lnTo>
-                  <a:lnTo>
-                    <a:pt x="54093" y="1661023"/>
-                  </a:lnTo>
-                  <a:lnTo>
-                    <a:pt x="45077" y="1733242"/>
-                  </a:lnTo>
-                  <a:lnTo>
-                    <a:pt x="36062" y="1805460"/>
-                  </a:lnTo>
-                  <a:lnTo>
-                    <a:pt x="27046" y="1877679"/>
-                  </a:lnTo>
-                  <a:lnTo>
-                    <a:pt x="18031" y="1949897"/>
-                  </a:lnTo>
-                  <a:lnTo>
-                    <a:pt x="9015" y="2022116"/>
+                    <a:pt x="39100" y="1916065"/>
+                  </a:lnTo>
+                  <a:lnTo>
+                    <a:pt x="78201" y="1859772"/>
+                  </a:lnTo>
+                  <a:lnTo>
+                    <a:pt x="117301" y="1803479"/>
+                  </a:lnTo>
+                  <a:lnTo>
+                    <a:pt x="156402" y="1747186"/>
+                  </a:lnTo>
+                  <a:lnTo>
+                    <a:pt x="195502" y="1690893"/>
+                  </a:lnTo>
+                  <a:lnTo>
+                    <a:pt x="234603" y="1634599"/>
+                  </a:lnTo>
+                  <a:lnTo>
+                    <a:pt x="273704" y="1578306"/>
+                  </a:lnTo>
+                  <a:lnTo>
+                    <a:pt x="312804" y="1522013"/>
+                  </a:lnTo>
+                  <a:lnTo>
+                    <a:pt x="351905" y="1465720"/>
+                  </a:lnTo>
+                  <a:lnTo>
+                    <a:pt x="391005" y="1409427"/>
+                  </a:lnTo>
+                  <a:lnTo>
+                    <a:pt x="430106" y="1353134"/>
+                  </a:lnTo>
+                  <a:lnTo>
+                    <a:pt x="469207" y="1296841"/>
+                  </a:lnTo>
+                  <a:lnTo>
+                    <a:pt x="508307" y="1240548"/>
+                  </a:lnTo>
+                  <a:lnTo>
+                    <a:pt x="547408" y="1184255"/>
+                  </a:lnTo>
+                  <a:lnTo>
+                    <a:pt x="586508" y="1127961"/>
+                  </a:lnTo>
+                  <a:lnTo>
+                    <a:pt x="625609" y="1071668"/>
+                  </a:lnTo>
+                  <a:lnTo>
+                    <a:pt x="664710" y="1015375"/>
+                  </a:lnTo>
+                  <a:lnTo>
+                    <a:pt x="703810" y="959082"/>
+                  </a:lnTo>
+                  <a:lnTo>
+                    <a:pt x="742911" y="902789"/>
+                  </a:lnTo>
+                  <a:lnTo>
+                    <a:pt x="782011" y="846496"/>
+                  </a:lnTo>
+                  <a:lnTo>
+                    <a:pt x="821112" y="790203"/>
+                  </a:lnTo>
+                  <a:lnTo>
+                    <a:pt x="860213" y="733910"/>
+                  </a:lnTo>
+                  <a:lnTo>
+                    <a:pt x="899313" y="677617"/>
+                  </a:lnTo>
+                  <a:lnTo>
+                    <a:pt x="938414" y="621324"/>
+                  </a:lnTo>
+                  <a:lnTo>
+                    <a:pt x="977514" y="565030"/>
+                  </a:lnTo>
+                  <a:lnTo>
+                    <a:pt x="1016615" y="508737"/>
+                  </a:lnTo>
+                  <a:lnTo>
+                    <a:pt x="1055716" y="452444"/>
+                  </a:lnTo>
+                  <a:lnTo>
+                    <a:pt x="1094816" y="396151"/>
+                  </a:lnTo>
+                  <a:lnTo>
+                    <a:pt x="1133917" y="339858"/>
+                  </a:lnTo>
+                  <a:lnTo>
+                    <a:pt x="1076945" y="301725"/>
+                  </a:lnTo>
+                  <a:lnTo>
+                    <a:pt x="1018692" y="265580"/>
+                  </a:lnTo>
+                  <a:lnTo>
+                    <a:pt x="959228" y="231466"/>
+                  </a:lnTo>
+                  <a:lnTo>
+                    <a:pt x="898622" y="199422"/>
+                  </a:lnTo>
+                  <a:lnTo>
+                    <a:pt x="836947" y="169487"/>
+                  </a:lnTo>
+                  <a:lnTo>
+                    <a:pt x="774277" y="141697"/>
+                  </a:lnTo>
+                  <a:lnTo>
+                    <a:pt x="710685" y="116085"/>
+                  </a:lnTo>
+                  <a:lnTo>
+                    <a:pt x="646248" y="92681"/>
+                  </a:lnTo>
+                  <a:lnTo>
+                    <a:pt x="581043" y="71512"/>
+                  </a:lnTo>
+                  <a:lnTo>
+                    <a:pt x="515146" y="52606"/>
+                  </a:lnTo>
+                  <a:lnTo>
+                    <a:pt x="448636" y="35983"/>
+                  </a:lnTo>
+                  <a:lnTo>
+                    <a:pt x="381593" y="21663"/>
+                  </a:lnTo>
+                  <a:lnTo>
+                    <a:pt x="314096" y="9664"/>
+                  </a:lnTo>
+                  <a:lnTo>
+                    <a:pt x="246225" y="0"/>
+                  </a:lnTo>
+                  <a:lnTo>
+                    <a:pt x="237734" y="68012"/>
+                  </a:lnTo>
+                  <a:lnTo>
+                    <a:pt x="229244" y="136024"/>
+                  </a:lnTo>
+                  <a:lnTo>
+                    <a:pt x="220753" y="204037"/>
+                  </a:lnTo>
+                  <a:lnTo>
+                    <a:pt x="212263" y="272049"/>
+                  </a:lnTo>
+                  <a:lnTo>
+                    <a:pt x="203772" y="340061"/>
+                  </a:lnTo>
+                  <a:lnTo>
+                    <a:pt x="195281" y="408074"/>
+                  </a:lnTo>
+                  <a:lnTo>
+                    <a:pt x="186791" y="476086"/>
+                  </a:lnTo>
+                  <a:lnTo>
+                    <a:pt x="178300" y="544098"/>
+                  </a:lnTo>
+                  <a:lnTo>
+                    <a:pt x="169810" y="612111"/>
+                  </a:lnTo>
+                  <a:lnTo>
+                    <a:pt x="161319" y="680123"/>
+                  </a:lnTo>
+                  <a:lnTo>
+                    <a:pt x="152829" y="748136"/>
+                  </a:lnTo>
+                  <a:lnTo>
+                    <a:pt x="144338" y="816148"/>
+                  </a:lnTo>
+                  <a:lnTo>
+                    <a:pt x="135848" y="884160"/>
+                  </a:lnTo>
+                  <a:lnTo>
+                    <a:pt x="127357" y="952173"/>
+                  </a:lnTo>
+                  <a:lnTo>
+                    <a:pt x="118867" y="1020185"/>
+                  </a:lnTo>
+                  <a:lnTo>
+                    <a:pt x="110376" y="1088197"/>
+                  </a:lnTo>
+                  <a:lnTo>
+                    <a:pt x="101886" y="1156210"/>
+                  </a:lnTo>
+                  <a:lnTo>
+                    <a:pt x="93395" y="1224222"/>
+                  </a:lnTo>
+                  <a:lnTo>
+                    <a:pt x="84905" y="1292234"/>
+                  </a:lnTo>
+                  <a:lnTo>
+                    <a:pt x="76414" y="1360247"/>
+                  </a:lnTo>
+                  <a:lnTo>
+                    <a:pt x="67924" y="1428259"/>
+                  </a:lnTo>
+                  <a:lnTo>
+                    <a:pt x="59433" y="1496272"/>
+                  </a:lnTo>
+                  <a:lnTo>
+                    <a:pt x="50943" y="1564284"/>
+                  </a:lnTo>
+                  <a:lnTo>
+                    <a:pt x="42452" y="1632296"/>
+                  </a:lnTo>
+                  <a:lnTo>
+                    <a:pt x="33962" y="1700309"/>
+                  </a:lnTo>
+                  <a:lnTo>
+                    <a:pt x="25471" y="1768321"/>
+                  </a:lnTo>
+                  <a:lnTo>
+                    <a:pt x="16981" y="1836333"/>
+                  </a:lnTo>
+                  <a:lnTo>
+                    <a:pt x="8490" y="1904346"/>
                   </a:lnTo>
                   <a:close/>
                 </a:path>
@@ -4725,339 +4779,339 @@
           </p:nvSpPr>
           <p:spPr>
             <a:xfrm>
-              <a:off x="4111651" y="2227420"/>
-              <a:ext cx="2110478" cy="3206916"/>
+              <a:off x="4111651" y="2174725"/>
+              <a:ext cx="1987561" cy="3020142"/>
             </a:xfrm>
             <a:custGeom>
               <a:avLst/>
               <a:pathLst>
-                <a:path w="2110478" h="3206916">
+                <a:path w="1987561" h="3020142">
                   <a:moveTo>
-                    <a:pt x="0" y="1733458"/>
+                    <a:pt x="0" y="1632500"/>
                   </a:moveTo>
                   <a:lnTo>
-                    <a:pt x="52107" y="1784267"/>
-                  </a:lnTo>
-                  <a:lnTo>
-                    <a:pt x="104215" y="1835076"/>
-                  </a:lnTo>
-                  <a:lnTo>
-                    <a:pt x="156323" y="1885884"/>
-                  </a:lnTo>
-                  <a:lnTo>
-                    <a:pt x="208431" y="1936693"/>
-                  </a:lnTo>
-                  <a:lnTo>
-                    <a:pt x="260539" y="1987502"/>
-                  </a:lnTo>
-                  <a:lnTo>
-                    <a:pt x="312647" y="2038311"/>
-                  </a:lnTo>
-                  <a:lnTo>
-                    <a:pt x="364755" y="2089120"/>
-                  </a:lnTo>
-                  <a:lnTo>
-                    <a:pt x="416863" y="2139929"/>
-                  </a:lnTo>
-                  <a:lnTo>
-                    <a:pt x="468971" y="2190738"/>
-                  </a:lnTo>
-                  <a:lnTo>
-                    <a:pt x="521079" y="2241547"/>
-                  </a:lnTo>
-                  <a:lnTo>
-                    <a:pt x="573187" y="2292356"/>
-                  </a:lnTo>
-                  <a:lnTo>
-                    <a:pt x="625295" y="2343164"/>
-                  </a:lnTo>
-                  <a:lnTo>
-                    <a:pt x="677403" y="2393973"/>
-                  </a:lnTo>
-                  <a:lnTo>
-                    <a:pt x="729511" y="2444782"/>
-                  </a:lnTo>
-                  <a:lnTo>
-                    <a:pt x="781619" y="2495591"/>
-                  </a:lnTo>
-                  <a:lnTo>
-                    <a:pt x="833727" y="2546400"/>
-                  </a:lnTo>
-                  <a:lnTo>
-                    <a:pt x="885835" y="2597209"/>
-                  </a:lnTo>
-                  <a:lnTo>
-                    <a:pt x="937943" y="2648018"/>
-                  </a:lnTo>
-                  <a:lnTo>
-                    <a:pt x="990051" y="2698827"/>
-                  </a:lnTo>
-                  <a:lnTo>
-                    <a:pt x="1042159" y="2749636"/>
-                  </a:lnTo>
-                  <a:lnTo>
-                    <a:pt x="1094267" y="2800444"/>
-                  </a:lnTo>
-                  <a:lnTo>
-                    <a:pt x="1146375" y="2851253"/>
-                  </a:lnTo>
-                  <a:lnTo>
-                    <a:pt x="1198483" y="2902062"/>
-                  </a:lnTo>
-                  <a:lnTo>
-                    <a:pt x="1250591" y="2952871"/>
-                  </a:lnTo>
-                  <a:lnTo>
-                    <a:pt x="1302699" y="3003680"/>
-                  </a:lnTo>
-                  <a:lnTo>
-                    <a:pt x="1354807" y="3054489"/>
-                  </a:lnTo>
-                  <a:lnTo>
-                    <a:pt x="1406915" y="3105298"/>
-                  </a:lnTo>
-                  <a:lnTo>
-                    <a:pt x="1459023" y="3156107"/>
-                  </a:lnTo>
-                  <a:lnTo>
-                    <a:pt x="1511131" y="3206916"/>
-                  </a:lnTo>
-                  <a:lnTo>
-                    <a:pt x="1560414" y="3154619"/>
-                  </a:lnTo>
-                  <a:lnTo>
-                    <a:pt x="1607889" y="3100676"/>
-                  </a:lnTo>
-                  <a:lnTo>
-                    <a:pt x="1653501" y="3045147"/>
-                  </a:lnTo>
-                  <a:lnTo>
-                    <a:pt x="1697195" y="2988098"/>
-                  </a:lnTo>
-                  <a:lnTo>
-                    <a:pt x="1738922" y="2929595"/>
-                  </a:lnTo>
-                  <a:lnTo>
-                    <a:pt x="1778633" y="2869705"/>
-                  </a:lnTo>
-                  <a:lnTo>
-                    <a:pt x="1816283" y="2808497"/>
-                  </a:lnTo>
-                  <a:lnTo>
-                    <a:pt x="1851827" y="2746044"/>
-                  </a:lnTo>
-                  <a:lnTo>
-                    <a:pt x="1885224" y="2682417"/>
-                  </a:lnTo>
-                  <a:lnTo>
-                    <a:pt x="1916436" y="2617690"/>
-                  </a:lnTo>
-                  <a:lnTo>
-                    <a:pt x="1945426" y="2551938"/>
-                  </a:lnTo>
-                  <a:lnTo>
-                    <a:pt x="1972162" y="2485237"/>
-                  </a:lnTo>
-                  <a:lnTo>
-                    <a:pt x="1996611" y="2417664"/>
-                  </a:lnTo>
-                  <a:lnTo>
-                    <a:pt x="2018745" y="2349299"/>
-                  </a:lnTo>
-                  <a:lnTo>
-                    <a:pt x="2038540" y="2280219"/>
-                  </a:lnTo>
-                  <a:lnTo>
-                    <a:pt x="2055971" y="2210506"/>
-                  </a:lnTo>
-                  <a:lnTo>
-                    <a:pt x="2071019" y="2140240"/>
-                  </a:lnTo>
-                  <a:lnTo>
-                    <a:pt x="2083667" y="2069502"/>
-                  </a:lnTo>
-                  <a:lnTo>
-                    <a:pt x="2093899" y="1998374"/>
-                  </a:lnTo>
-                  <a:lnTo>
-                    <a:pt x="2101703" y="1926940"/>
-                  </a:lnTo>
-                  <a:lnTo>
-                    <a:pt x="2107072" y="1855281"/>
-                  </a:lnTo>
-                  <a:lnTo>
-                    <a:pt x="2109998" y="1783481"/>
-                  </a:lnTo>
-                  <a:lnTo>
-                    <a:pt x="2110478" y="1711623"/>
-                  </a:lnTo>
-                  <a:lnTo>
-                    <a:pt x="2108511" y="1639791"/>
-                  </a:lnTo>
-                  <a:lnTo>
-                    <a:pt x="2104100" y="1568067"/>
-                  </a:lnTo>
-                  <a:lnTo>
-                    <a:pt x="2097251" y="1496534"/>
-                  </a:lnTo>
-                  <a:lnTo>
-                    <a:pt x="2087970" y="1425277"/>
-                  </a:lnTo>
-                  <a:lnTo>
-                    <a:pt x="2076268" y="1354376"/>
-                  </a:lnTo>
-                  <a:lnTo>
-                    <a:pt x="2062160" y="1283915"/>
-                  </a:lnTo>
-                  <a:lnTo>
-                    <a:pt x="2045661" y="1213975"/>
-                  </a:lnTo>
-                  <a:lnTo>
-                    <a:pt x="2026791" y="1144638"/>
-                  </a:lnTo>
-                  <a:lnTo>
-                    <a:pt x="2005572" y="1075982"/>
-                  </a:lnTo>
-                  <a:lnTo>
-                    <a:pt x="1982028" y="1008089"/>
-                  </a:lnTo>
-                  <a:lnTo>
-                    <a:pt x="1956186" y="941037"/>
-                  </a:lnTo>
-                  <a:lnTo>
-                    <a:pt x="1928076" y="874904"/>
-                  </a:lnTo>
-                  <a:lnTo>
-                    <a:pt x="1897732" y="809765"/>
-                  </a:lnTo>
-                  <a:lnTo>
-                    <a:pt x="1865187" y="745698"/>
-                  </a:lnTo>
-                  <a:lnTo>
-                    <a:pt x="1830480" y="682775"/>
-                  </a:lnTo>
-                  <a:lnTo>
-                    <a:pt x="1793652" y="621071"/>
-                  </a:lnTo>
-                  <a:lnTo>
-                    <a:pt x="1754744" y="560656"/>
-                  </a:lnTo>
-                  <a:lnTo>
-                    <a:pt x="1713802" y="501600"/>
-                  </a:lnTo>
-                  <a:lnTo>
-                    <a:pt x="1670874" y="443972"/>
-                  </a:lnTo>
-                  <a:lnTo>
-                    <a:pt x="1626009" y="387839"/>
-                  </a:lnTo>
-                  <a:lnTo>
-                    <a:pt x="1579258" y="333266"/>
-                  </a:lnTo>
-                  <a:lnTo>
-                    <a:pt x="1530678" y="280317"/>
-                  </a:lnTo>
-                  <a:lnTo>
-                    <a:pt x="1480322" y="229051"/>
-                  </a:lnTo>
-                  <a:lnTo>
-                    <a:pt x="1428251" y="179530"/>
-                  </a:lnTo>
-                  <a:lnTo>
-                    <a:pt x="1374524" y="131810"/>
-                  </a:lnTo>
-                  <a:lnTo>
-                    <a:pt x="1319204" y="85946"/>
-                  </a:lnTo>
-                  <a:lnTo>
-                    <a:pt x="1262354" y="41992"/>
-                  </a:lnTo>
-                  <a:lnTo>
-                    <a:pt x="1204041" y="0"/>
-                  </a:lnTo>
-                  <a:lnTo>
-                    <a:pt x="1162523" y="59774"/>
-                  </a:lnTo>
-                  <a:lnTo>
-                    <a:pt x="1121004" y="119548"/>
-                  </a:lnTo>
-                  <a:lnTo>
-                    <a:pt x="1079485" y="179323"/>
-                  </a:lnTo>
-                  <a:lnTo>
-                    <a:pt x="1037967" y="239097"/>
-                  </a:lnTo>
-                  <a:lnTo>
-                    <a:pt x="996448" y="298872"/>
-                  </a:lnTo>
-                  <a:lnTo>
-                    <a:pt x="954929" y="358646"/>
-                  </a:lnTo>
-                  <a:lnTo>
-                    <a:pt x="913411" y="418420"/>
-                  </a:lnTo>
-                  <a:lnTo>
-                    <a:pt x="871892" y="478195"/>
-                  </a:lnTo>
-                  <a:lnTo>
-                    <a:pt x="830373" y="537969"/>
-                  </a:lnTo>
-                  <a:lnTo>
-                    <a:pt x="788855" y="597744"/>
-                  </a:lnTo>
-                  <a:lnTo>
-                    <a:pt x="747336" y="657518"/>
-                  </a:lnTo>
-                  <a:lnTo>
-                    <a:pt x="705817" y="717293"/>
-                  </a:lnTo>
-                  <a:lnTo>
-                    <a:pt x="664298" y="777067"/>
-                  </a:lnTo>
-                  <a:lnTo>
-                    <a:pt x="622780" y="836841"/>
-                  </a:lnTo>
-                  <a:lnTo>
-                    <a:pt x="581261" y="896616"/>
-                  </a:lnTo>
-                  <a:lnTo>
-                    <a:pt x="539742" y="956390"/>
-                  </a:lnTo>
-                  <a:lnTo>
-                    <a:pt x="498224" y="1016165"/>
-                  </a:lnTo>
-                  <a:lnTo>
-                    <a:pt x="456705" y="1075939"/>
-                  </a:lnTo>
-                  <a:lnTo>
-                    <a:pt x="415186" y="1135714"/>
-                  </a:lnTo>
-                  <a:lnTo>
-                    <a:pt x="373668" y="1195488"/>
-                  </a:lnTo>
-                  <a:lnTo>
-                    <a:pt x="332149" y="1255262"/>
-                  </a:lnTo>
-                  <a:lnTo>
-                    <a:pt x="290630" y="1315037"/>
-                  </a:lnTo>
-                  <a:lnTo>
-                    <a:pt x="249112" y="1374811"/>
-                  </a:lnTo>
-                  <a:lnTo>
-                    <a:pt x="207593" y="1434586"/>
-                  </a:lnTo>
-                  <a:lnTo>
-                    <a:pt x="166074" y="1494360"/>
-                  </a:lnTo>
-                  <a:lnTo>
-                    <a:pt x="124556" y="1554135"/>
-                  </a:lnTo>
-                  <a:lnTo>
-                    <a:pt x="83037" y="1613909"/>
-                  </a:lnTo>
-                  <a:lnTo>
-                    <a:pt x="41518" y="1673683"/>
+                    <a:pt x="49073" y="1680349"/>
+                  </a:lnTo>
+                  <a:lnTo>
+                    <a:pt x="98146" y="1728199"/>
+                  </a:lnTo>
+                  <a:lnTo>
+                    <a:pt x="147219" y="1776049"/>
+                  </a:lnTo>
+                  <a:lnTo>
+                    <a:pt x="196292" y="1823899"/>
+                  </a:lnTo>
+                  <a:lnTo>
+                    <a:pt x="245365" y="1871748"/>
+                  </a:lnTo>
+                  <a:lnTo>
+                    <a:pt x="294438" y="1919598"/>
+                  </a:lnTo>
+                  <a:lnTo>
+                    <a:pt x="343512" y="1967448"/>
+                  </a:lnTo>
+                  <a:lnTo>
+                    <a:pt x="392585" y="2015297"/>
+                  </a:lnTo>
+                  <a:lnTo>
+                    <a:pt x="441658" y="2063147"/>
+                  </a:lnTo>
+                  <a:lnTo>
+                    <a:pt x="490731" y="2110997"/>
+                  </a:lnTo>
+                  <a:lnTo>
+                    <a:pt x="539804" y="2158847"/>
+                  </a:lnTo>
+                  <a:lnTo>
+                    <a:pt x="588877" y="2206696"/>
+                  </a:lnTo>
+                  <a:lnTo>
+                    <a:pt x="637950" y="2254546"/>
+                  </a:lnTo>
+                  <a:lnTo>
+                    <a:pt x="687024" y="2302396"/>
+                  </a:lnTo>
+                  <a:lnTo>
+                    <a:pt x="736097" y="2350246"/>
+                  </a:lnTo>
+                  <a:lnTo>
+                    <a:pt x="785170" y="2398095"/>
+                  </a:lnTo>
+                  <a:lnTo>
+                    <a:pt x="834243" y="2445945"/>
+                  </a:lnTo>
+                  <a:lnTo>
+                    <a:pt x="883316" y="2493795"/>
+                  </a:lnTo>
+                  <a:lnTo>
+                    <a:pt x="932389" y="2541644"/>
+                  </a:lnTo>
+                  <a:lnTo>
+                    <a:pt x="981463" y="2589494"/>
+                  </a:lnTo>
+                  <a:lnTo>
+                    <a:pt x="1030536" y="2637344"/>
+                  </a:lnTo>
+                  <a:lnTo>
+                    <a:pt x="1079609" y="2685194"/>
+                  </a:lnTo>
+                  <a:lnTo>
+                    <a:pt x="1128682" y="2733043"/>
+                  </a:lnTo>
+                  <a:lnTo>
+                    <a:pt x="1177755" y="2780893"/>
+                  </a:lnTo>
+                  <a:lnTo>
+                    <a:pt x="1226828" y="2828743"/>
+                  </a:lnTo>
+                  <a:lnTo>
+                    <a:pt x="1275901" y="2876593"/>
+                  </a:lnTo>
+                  <a:lnTo>
+                    <a:pt x="1324975" y="2924442"/>
+                  </a:lnTo>
+                  <a:lnTo>
+                    <a:pt x="1374048" y="2972292"/>
+                  </a:lnTo>
+                  <a:lnTo>
+                    <a:pt x="1423121" y="3020142"/>
+                  </a:lnTo>
+                  <a:lnTo>
+                    <a:pt x="1469534" y="2970891"/>
+                  </a:lnTo>
+                  <a:lnTo>
+                    <a:pt x="1514244" y="2920089"/>
+                  </a:lnTo>
+                  <a:lnTo>
+                    <a:pt x="1557199" y="2867795"/>
+                  </a:lnTo>
+                  <a:lnTo>
+                    <a:pt x="1598349" y="2814068"/>
+                  </a:lnTo>
+                  <a:lnTo>
+                    <a:pt x="1637646" y="2758972"/>
+                  </a:lnTo>
+                  <a:lnTo>
+                    <a:pt x="1675044" y="2702570"/>
+                  </a:lnTo>
+                  <a:lnTo>
+                    <a:pt x="1710501" y="2644928"/>
+                  </a:lnTo>
+                  <a:lnTo>
+                    <a:pt x="1743974" y="2586112"/>
+                  </a:lnTo>
+                  <a:lnTo>
+                    <a:pt x="1775427" y="2526191"/>
+                  </a:lnTo>
+                  <a:lnTo>
+                    <a:pt x="1804821" y="2465233"/>
+                  </a:lnTo>
+                  <a:lnTo>
+                    <a:pt x="1832123" y="2403310"/>
+                  </a:lnTo>
+                  <a:lnTo>
+                    <a:pt x="1857301" y="2340494"/>
+                  </a:lnTo>
+                  <a:lnTo>
+                    <a:pt x="1880326" y="2276857"/>
+                  </a:lnTo>
+                  <a:lnTo>
+                    <a:pt x="1901172" y="2212473"/>
+                  </a:lnTo>
+                  <a:lnTo>
+                    <a:pt x="1919813" y="2147417"/>
+                  </a:lnTo>
+                  <a:lnTo>
+                    <a:pt x="1936230" y="2081764"/>
+                  </a:lnTo>
+                  <a:lnTo>
+                    <a:pt x="1950401" y="2015590"/>
+                  </a:lnTo>
+                  <a:lnTo>
+                    <a:pt x="1962312" y="1948972"/>
+                  </a:lnTo>
+                  <a:lnTo>
+                    <a:pt x="1971948" y="1881987"/>
+                  </a:lnTo>
+                  <a:lnTo>
+                    <a:pt x="1979298" y="1814713"/>
+                  </a:lnTo>
+                  <a:lnTo>
+                    <a:pt x="1984354" y="1747228"/>
+                  </a:lnTo>
+                  <a:lnTo>
+                    <a:pt x="1987109" y="1679610"/>
+                  </a:lnTo>
+                  <a:lnTo>
+                    <a:pt x="1987561" y="1611937"/>
+                  </a:lnTo>
+                  <a:lnTo>
+                    <a:pt x="1985709" y="1544288"/>
+                  </a:lnTo>
+                  <a:lnTo>
+                    <a:pt x="1981556" y="1476741"/>
+                  </a:lnTo>
+                  <a:lnTo>
+                    <a:pt x="1975105" y="1409375"/>
+                  </a:lnTo>
+                  <a:lnTo>
+                    <a:pt x="1966364" y="1342267"/>
+                  </a:lnTo>
+                  <a:lnTo>
+                    <a:pt x="1955344" y="1275496"/>
+                  </a:lnTo>
+                  <a:lnTo>
+                    <a:pt x="1942058" y="1209139"/>
+                  </a:lnTo>
+                  <a:lnTo>
+                    <a:pt x="1926520" y="1143272"/>
+                  </a:lnTo>
+                  <a:lnTo>
+                    <a:pt x="1908749" y="1077973"/>
+                  </a:lnTo>
+                  <a:lnTo>
+                    <a:pt x="1888766" y="1013316"/>
+                  </a:lnTo>
+                  <a:lnTo>
+                    <a:pt x="1866592" y="949377"/>
+                  </a:lnTo>
+                  <a:lnTo>
+                    <a:pt x="1842256" y="886230"/>
+                  </a:lnTo>
+                  <a:lnTo>
+                    <a:pt x="1815783" y="823948"/>
+                  </a:lnTo>
+                  <a:lnTo>
+                    <a:pt x="1787206" y="762604"/>
+                  </a:lnTo>
+                  <a:lnTo>
+                    <a:pt x="1756557" y="702268"/>
+                  </a:lnTo>
+                  <a:lnTo>
+                    <a:pt x="1723872" y="643010"/>
+                  </a:lnTo>
+                  <a:lnTo>
+                    <a:pt x="1689188" y="584899"/>
+                  </a:lnTo>
+                  <a:lnTo>
+                    <a:pt x="1652546" y="528002"/>
+                  </a:lnTo>
+                  <a:lnTo>
+                    <a:pt x="1613989" y="472386"/>
+                  </a:lnTo>
+                  <a:lnTo>
+                    <a:pt x="1573561" y="418115"/>
+                  </a:lnTo>
+                  <a:lnTo>
+                    <a:pt x="1531308" y="365251"/>
+                  </a:lnTo>
+                  <a:lnTo>
+                    <a:pt x="1487281" y="313857"/>
+                  </a:lnTo>
+                  <a:lnTo>
+                    <a:pt x="1441529" y="263991"/>
+                  </a:lnTo>
+                  <a:lnTo>
+                    <a:pt x="1394107" y="215711"/>
+                  </a:lnTo>
+                  <a:lnTo>
+                    <a:pt x="1345068" y="169074"/>
+                  </a:lnTo>
+                  <a:lnTo>
+                    <a:pt x="1294470" y="124133"/>
+                  </a:lnTo>
+                  <a:lnTo>
+                    <a:pt x="1242372" y="80941"/>
+                  </a:lnTo>
+                  <a:lnTo>
+                    <a:pt x="1188834" y="39547"/>
+                  </a:lnTo>
+                  <a:lnTo>
+                    <a:pt x="1133917" y="0"/>
+                  </a:lnTo>
+                  <a:lnTo>
+                    <a:pt x="1094816" y="56293"/>
+                  </a:lnTo>
+                  <a:lnTo>
+                    <a:pt x="1055716" y="112586"/>
+                  </a:lnTo>
+                  <a:lnTo>
+                    <a:pt x="1016615" y="168879"/>
+                  </a:lnTo>
+                  <a:lnTo>
+                    <a:pt x="977514" y="225172"/>
+                  </a:lnTo>
+                  <a:lnTo>
+                    <a:pt x="938414" y="281465"/>
+                  </a:lnTo>
+                  <a:lnTo>
+                    <a:pt x="899313" y="337758"/>
+                  </a:lnTo>
+                  <a:lnTo>
+                    <a:pt x="860213" y="394051"/>
+                  </a:lnTo>
+                  <a:lnTo>
+                    <a:pt x="821112" y="450344"/>
+                  </a:lnTo>
+                  <a:lnTo>
+                    <a:pt x="782011" y="506637"/>
+                  </a:lnTo>
+                  <a:lnTo>
+                    <a:pt x="742911" y="562931"/>
+                  </a:lnTo>
+                  <a:lnTo>
+                    <a:pt x="703810" y="619224"/>
+                  </a:lnTo>
+                  <a:lnTo>
+                    <a:pt x="664710" y="675517"/>
+                  </a:lnTo>
+                  <a:lnTo>
+                    <a:pt x="625609" y="731810"/>
+                  </a:lnTo>
+                  <a:lnTo>
+                    <a:pt x="586508" y="788103"/>
+                  </a:lnTo>
+                  <a:lnTo>
+                    <a:pt x="547408" y="844396"/>
+                  </a:lnTo>
+                  <a:lnTo>
+                    <a:pt x="508307" y="900689"/>
+                  </a:lnTo>
+                  <a:lnTo>
+                    <a:pt x="469207" y="956982"/>
+                  </a:lnTo>
+                  <a:lnTo>
+                    <a:pt x="430106" y="1013275"/>
+                  </a:lnTo>
+                  <a:lnTo>
+                    <a:pt x="391005" y="1069569"/>
+                  </a:lnTo>
+                  <a:lnTo>
+                    <a:pt x="351905" y="1125862"/>
+                  </a:lnTo>
+                  <a:lnTo>
+                    <a:pt x="312804" y="1182155"/>
+                  </a:lnTo>
+                  <a:lnTo>
+                    <a:pt x="273704" y="1238448"/>
+                  </a:lnTo>
+                  <a:lnTo>
+                    <a:pt x="234603" y="1294741"/>
+                  </a:lnTo>
+                  <a:lnTo>
+                    <a:pt x="195502" y="1351034"/>
+                  </a:lnTo>
+                  <a:lnTo>
+                    <a:pt x="156402" y="1407327"/>
+                  </a:lnTo>
+                  <a:lnTo>
+                    <a:pt x="117301" y="1463620"/>
+                  </a:lnTo>
+                  <a:lnTo>
+                    <a:pt x="78201" y="1519913"/>
+                  </a:lnTo>
+                  <a:lnTo>
+                    <a:pt x="39100" y="1576207"/>
                   </a:lnTo>
                   <a:close/>
                 </a:path>
@@ -5092,285 +5146,285 @@
           </p:nvSpPr>
           <p:spPr>
             <a:xfrm>
-              <a:off x="3437800" y="3960878"/>
-              <a:ext cx="2184982" cy="2110342"/>
+              <a:off x="3477046" y="3807225"/>
+              <a:ext cx="2057726" cy="1987434"/>
             </a:xfrm>
             <a:custGeom>
               <a:avLst/>
               <a:pathLst>
-                <a:path w="2184982" h="2110342">
+                <a:path w="2057726" h="1987434">
                   <a:moveTo>
-                    <a:pt x="673851" y="0"/>
+                    <a:pt x="634605" y="0"/>
                   </a:moveTo>
                   <a:lnTo>
-                    <a:pt x="650614" y="68969"/>
-                  </a:lnTo>
-                  <a:lnTo>
-                    <a:pt x="627378" y="137939"/>
-                  </a:lnTo>
-                  <a:lnTo>
-                    <a:pt x="604142" y="206909"/>
-                  </a:lnTo>
-                  <a:lnTo>
-                    <a:pt x="580906" y="275879"/>
-                  </a:lnTo>
-                  <a:lnTo>
-                    <a:pt x="557669" y="344849"/>
-                  </a:lnTo>
-                  <a:lnTo>
-                    <a:pt x="534433" y="413819"/>
-                  </a:lnTo>
-                  <a:lnTo>
-                    <a:pt x="511197" y="482789"/>
-                  </a:lnTo>
-                  <a:lnTo>
-                    <a:pt x="487961" y="551759"/>
-                  </a:lnTo>
-                  <a:lnTo>
-                    <a:pt x="464724" y="620729"/>
-                  </a:lnTo>
-                  <a:lnTo>
-                    <a:pt x="441488" y="689699"/>
-                  </a:lnTo>
-                  <a:lnTo>
-                    <a:pt x="418252" y="758669"/>
-                  </a:lnTo>
-                  <a:lnTo>
-                    <a:pt x="395016" y="827639"/>
-                  </a:lnTo>
-                  <a:lnTo>
-                    <a:pt x="371779" y="896609"/>
-                  </a:lnTo>
-                  <a:lnTo>
-                    <a:pt x="348543" y="965579"/>
-                  </a:lnTo>
-                  <a:lnTo>
-                    <a:pt x="325307" y="1034549"/>
-                  </a:lnTo>
-                  <a:lnTo>
-                    <a:pt x="302071" y="1103519"/>
-                  </a:lnTo>
-                  <a:lnTo>
-                    <a:pt x="278834" y="1172489"/>
-                  </a:lnTo>
-                  <a:lnTo>
-                    <a:pt x="255598" y="1241459"/>
-                  </a:lnTo>
-                  <a:lnTo>
-                    <a:pt x="232362" y="1310429"/>
-                  </a:lnTo>
-                  <a:lnTo>
-                    <a:pt x="209126" y="1379399"/>
-                  </a:lnTo>
-                  <a:lnTo>
-                    <a:pt x="185889" y="1448369"/>
-                  </a:lnTo>
-                  <a:lnTo>
-                    <a:pt x="162653" y="1517339"/>
-                  </a:lnTo>
-                  <a:lnTo>
-                    <a:pt x="139417" y="1586309"/>
-                  </a:lnTo>
-                  <a:lnTo>
-                    <a:pt x="116181" y="1655279"/>
-                  </a:lnTo>
-                  <a:lnTo>
-                    <a:pt x="92944" y="1724249"/>
-                  </a:lnTo>
-                  <a:lnTo>
-                    <a:pt x="69708" y="1793219"/>
-                  </a:lnTo>
-                  <a:lnTo>
-                    <a:pt x="46472" y="1862189"/>
-                  </a:lnTo>
-                  <a:lnTo>
-                    <a:pt x="23236" y="1931159"/>
-                  </a:lnTo>
-                  <a:lnTo>
-                    <a:pt x="0" y="2000129"/>
-                  </a:lnTo>
-                  <a:lnTo>
-                    <a:pt x="68440" y="2021898"/>
-                  </a:lnTo>
-                  <a:lnTo>
-                    <a:pt x="137582" y="2041325"/>
-                  </a:lnTo>
-                  <a:lnTo>
-                    <a:pt x="207345" y="2058389"/>
-                  </a:lnTo>
-                  <a:lnTo>
-                    <a:pt x="277648" y="2073069"/>
-                  </a:lnTo>
-                  <a:lnTo>
-                    <a:pt x="348410" y="2085349"/>
-                  </a:lnTo>
-                  <a:lnTo>
-                    <a:pt x="419548" y="2095214"/>
-                  </a:lnTo>
-                  <a:lnTo>
-                    <a:pt x="490981" y="2102653"/>
-                  </a:lnTo>
-                  <a:lnTo>
-                    <a:pt x="562626" y="2107658"/>
-                  </a:lnTo>
-                  <a:lnTo>
-                    <a:pt x="634400" y="2110222"/>
-                  </a:lnTo>
-                  <a:lnTo>
-                    <a:pt x="706219" y="2110342"/>
-                  </a:lnTo>
-                  <a:lnTo>
-                    <a:pt x="778001" y="2108019"/>
-                  </a:lnTo>
-                  <a:lnTo>
-                    <a:pt x="849662" y="2103255"/>
-                  </a:lnTo>
-                  <a:lnTo>
-                    <a:pt x="921119" y="2096056"/>
-                  </a:lnTo>
-                  <a:lnTo>
-                    <a:pt x="992291" y="2086430"/>
-                  </a:lnTo>
-                  <a:lnTo>
-                    <a:pt x="1063093" y="2074387"/>
-                  </a:lnTo>
-                  <a:lnTo>
-                    <a:pt x="1133445" y="2059943"/>
-                  </a:lnTo>
-                  <a:lnTo>
-                    <a:pt x="1203265" y="2043114"/>
-                  </a:lnTo>
-                  <a:lnTo>
-                    <a:pt x="1272471" y="2023918"/>
-                  </a:lnTo>
-                  <a:lnTo>
-                    <a:pt x="1340985" y="2002380"/>
-                  </a:lnTo>
-                  <a:lnTo>
-                    <a:pt x="1408726" y="1978522"/>
-                  </a:lnTo>
-                  <a:lnTo>
-                    <a:pt x="1475616" y="1952374"/>
-                  </a:lnTo>
-                  <a:lnTo>
-                    <a:pt x="1541578" y="1923965"/>
-                  </a:lnTo>
-                  <a:lnTo>
-                    <a:pt x="1606535" y="1893329"/>
-                  </a:lnTo>
-                  <a:lnTo>
-                    <a:pt x="1670412" y="1860500"/>
-                  </a:lnTo>
-                  <a:lnTo>
-                    <a:pt x="1733135" y="1825516"/>
-                  </a:lnTo>
-                  <a:lnTo>
-                    <a:pt x="1794631" y="1788419"/>
-                  </a:lnTo>
-                  <a:lnTo>
-                    <a:pt x="1854830" y="1749251"/>
-                  </a:lnTo>
-                  <a:lnTo>
-                    <a:pt x="1913662" y="1708058"/>
-                  </a:lnTo>
-                  <a:lnTo>
-                    <a:pt x="1971057" y="1664887"/>
-                  </a:lnTo>
-                  <a:lnTo>
-                    <a:pt x="2026951" y="1619788"/>
-                  </a:lnTo>
-                  <a:lnTo>
-                    <a:pt x="2081278" y="1572813"/>
-                  </a:lnTo>
-                  <a:lnTo>
-                    <a:pt x="2133975" y="1524018"/>
-                  </a:lnTo>
-                  <a:lnTo>
-                    <a:pt x="2184982" y="1473457"/>
-                  </a:lnTo>
-                  <a:lnTo>
-                    <a:pt x="2132874" y="1422648"/>
-                  </a:lnTo>
-                  <a:lnTo>
-                    <a:pt x="2080766" y="1371839"/>
-                  </a:lnTo>
-                  <a:lnTo>
-                    <a:pt x="2028658" y="1321031"/>
-                  </a:lnTo>
-                  <a:lnTo>
-                    <a:pt x="1976550" y="1270222"/>
-                  </a:lnTo>
-                  <a:lnTo>
-                    <a:pt x="1924442" y="1219413"/>
-                  </a:lnTo>
-                  <a:lnTo>
-                    <a:pt x="1872334" y="1168604"/>
-                  </a:lnTo>
-                  <a:lnTo>
-                    <a:pt x="1820226" y="1117795"/>
-                  </a:lnTo>
-                  <a:lnTo>
-                    <a:pt x="1768118" y="1066986"/>
-                  </a:lnTo>
-                  <a:lnTo>
-                    <a:pt x="1716010" y="1016177"/>
-                  </a:lnTo>
-                  <a:lnTo>
-                    <a:pt x="1663902" y="965368"/>
-                  </a:lnTo>
-                  <a:lnTo>
-                    <a:pt x="1611794" y="914559"/>
-                  </a:lnTo>
-                  <a:lnTo>
-                    <a:pt x="1559686" y="863751"/>
-                  </a:lnTo>
-                  <a:lnTo>
-                    <a:pt x="1507578" y="812942"/>
-                  </a:lnTo>
-                  <a:lnTo>
-                    <a:pt x="1455470" y="762133"/>
-                  </a:lnTo>
-                  <a:lnTo>
-                    <a:pt x="1403362" y="711324"/>
-                  </a:lnTo>
-                  <a:lnTo>
-                    <a:pt x="1351254" y="660515"/>
-                  </a:lnTo>
-                  <a:lnTo>
-                    <a:pt x="1299146" y="609706"/>
-                  </a:lnTo>
-                  <a:lnTo>
-                    <a:pt x="1247038" y="558897"/>
-                  </a:lnTo>
-                  <a:lnTo>
-                    <a:pt x="1194930" y="508088"/>
-                  </a:lnTo>
-                  <a:lnTo>
-                    <a:pt x="1142822" y="457279"/>
-                  </a:lnTo>
-                  <a:lnTo>
-                    <a:pt x="1090714" y="406471"/>
-                  </a:lnTo>
-                  <a:lnTo>
-                    <a:pt x="1038606" y="355662"/>
-                  </a:lnTo>
-                  <a:lnTo>
-                    <a:pt x="986498" y="304853"/>
-                  </a:lnTo>
-                  <a:lnTo>
-                    <a:pt x="934390" y="254044"/>
-                  </a:lnTo>
-                  <a:lnTo>
-                    <a:pt x="882282" y="203235"/>
-                  </a:lnTo>
-                  <a:lnTo>
-                    <a:pt x="830175" y="152426"/>
-                  </a:lnTo>
-                  <a:lnTo>
-                    <a:pt x="778067" y="101617"/>
-                  </a:lnTo>
-                  <a:lnTo>
-                    <a:pt x="725959" y="50808"/>
+                    <a:pt x="612722" y="64953"/>
+                  </a:lnTo>
+                  <a:lnTo>
+                    <a:pt x="590839" y="129906"/>
+                  </a:lnTo>
+                  <a:lnTo>
+                    <a:pt x="568956" y="194859"/>
+                  </a:lnTo>
+                  <a:lnTo>
+                    <a:pt x="547073" y="259812"/>
+                  </a:lnTo>
+                  <a:lnTo>
+                    <a:pt x="525190" y="324765"/>
+                  </a:lnTo>
+                  <a:lnTo>
+                    <a:pt x="503307" y="389718"/>
+                  </a:lnTo>
+                  <a:lnTo>
+                    <a:pt x="481424" y="454671"/>
+                  </a:lnTo>
+                  <a:lnTo>
+                    <a:pt x="459541" y="519624"/>
+                  </a:lnTo>
+                  <a:lnTo>
+                    <a:pt x="437658" y="584578"/>
+                  </a:lnTo>
+                  <a:lnTo>
+                    <a:pt x="415775" y="649531"/>
+                  </a:lnTo>
+                  <a:lnTo>
+                    <a:pt x="393893" y="714484"/>
+                  </a:lnTo>
+                  <a:lnTo>
+                    <a:pt x="372010" y="779437"/>
+                  </a:lnTo>
+                  <a:lnTo>
+                    <a:pt x="350127" y="844390"/>
+                  </a:lnTo>
+                  <a:lnTo>
+                    <a:pt x="328244" y="909343"/>
+                  </a:lnTo>
+                  <a:lnTo>
+                    <a:pt x="306361" y="974296"/>
+                  </a:lnTo>
+                  <a:lnTo>
+                    <a:pt x="284478" y="1039249"/>
+                  </a:lnTo>
+                  <a:lnTo>
+                    <a:pt x="262595" y="1104203"/>
+                  </a:lnTo>
+                  <a:lnTo>
+                    <a:pt x="240712" y="1169156"/>
+                  </a:lnTo>
+                  <a:lnTo>
+                    <a:pt x="218829" y="1234109"/>
+                  </a:lnTo>
+                  <a:lnTo>
+                    <a:pt x="196946" y="1299062"/>
+                  </a:lnTo>
+                  <a:lnTo>
+                    <a:pt x="175063" y="1364015"/>
+                  </a:lnTo>
+                  <a:lnTo>
+                    <a:pt x="153180" y="1428968"/>
+                  </a:lnTo>
+                  <a:lnTo>
+                    <a:pt x="131297" y="1493921"/>
+                  </a:lnTo>
+                  <a:lnTo>
+                    <a:pt x="109414" y="1558874"/>
+                  </a:lnTo>
+                  <a:lnTo>
+                    <a:pt x="87531" y="1623827"/>
+                  </a:lnTo>
+                  <a:lnTo>
+                    <a:pt x="65648" y="1688781"/>
+                  </a:lnTo>
+                  <a:lnTo>
+                    <a:pt x="43765" y="1753734"/>
+                  </a:lnTo>
+                  <a:lnTo>
+                    <a:pt x="21882" y="1818687"/>
+                  </a:lnTo>
+                  <a:lnTo>
+                    <a:pt x="0" y="1883640"/>
+                  </a:lnTo>
+                  <a:lnTo>
+                    <a:pt x="64454" y="1904141"/>
+                  </a:lnTo>
+                  <a:lnTo>
+                    <a:pt x="129569" y="1922437"/>
+                  </a:lnTo>
+                  <a:lnTo>
+                    <a:pt x="195269" y="1938506"/>
+                  </a:lnTo>
+                  <a:lnTo>
+                    <a:pt x="261477" y="1952332"/>
+                  </a:lnTo>
+                  <a:lnTo>
+                    <a:pt x="328118" y="1963896"/>
+                  </a:lnTo>
+                  <a:lnTo>
+                    <a:pt x="395113" y="1973187"/>
+                  </a:lnTo>
+                  <a:lnTo>
+                    <a:pt x="462386" y="1980193"/>
+                  </a:lnTo>
+                  <a:lnTo>
+                    <a:pt x="529858" y="1984906"/>
+                  </a:lnTo>
+                  <a:lnTo>
+                    <a:pt x="597452" y="1987321"/>
+                  </a:lnTo>
+                  <a:lnTo>
+                    <a:pt x="665088" y="1987434"/>
+                  </a:lnTo>
+                  <a:lnTo>
+                    <a:pt x="732689" y="1985246"/>
+                  </a:lnTo>
+                  <a:lnTo>
+                    <a:pt x="800177" y="1980760"/>
+                  </a:lnTo>
+                  <a:lnTo>
+                    <a:pt x="867473" y="1973980"/>
+                  </a:lnTo>
+                  <a:lnTo>
+                    <a:pt x="934499" y="1964914"/>
+                  </a:lnTo>
+                  <a:lnTo>
+                    <a:pt x="1001178" y="1953573"/>
+                  </a:lnTo>
+                  <a:lnTo>
+                    <a:pt x="1067432" y="1939970"/>
+                  </a:lnTo>
+                  <a:lnTo>
+                    <a:pt x="1133185" y="1924121"/>
+                  </a:lnTo>
+                  <a:lnTo>
+                    <a:pt x="1198361" y="1906044"/>
+                  </a:lnTo>
+                  <a:lnTo>
+                    <a:pt x="1262885" y="1885759"/>
+                  </a:lnTo>
+                  <a:lnTo>
+                    <a:pt x="1326680" y="1863291"/>
+                  </a:lnTo>
+                  <a:lnTo>
+                    <a:pt x="1389675" y="1838666"/>
+                  </a:lnTo>
+                  <a:lnTo>
+                    <a:pt x="1451795" y="1811912"/>
+                  </a:lnTo>
+                  <a:lnTo>
+                    <a:pt x="1512969" y="1783059"/>
+                  </a:lnTo>
+                  <a:lnTo>
+                    <a:pt x="1573125" y="1752142"/>
+                  </a:lnTo>
+                  <a:lnTo>
+                    <a:pt x="1632196" y="1719196"/>
+                  </a:lnTo>
+                  <a:lnTo>
+                    <a:pt x="1690110" y="1684260"/>
+                  </a:lnTo>
+                  <a:lnTo>
+                    <a:pt x="1746803" y="1647373"/>
+                  </a:lnTo>
+                  <a:lnTo>
+                    <a:pt x="1802208" y="1608579"/>
+                  </a:lnTo>
+                  <a:lnTo>
+                    <a:pt x="1856261" y="1567922"/>
+                  </a:lnTo>
+                  <a:lnTo>
+                    <a:pt x="1908899" y="1525450"/>
+                  </a:lnTo>
+                  <a:lnTo>
+                    <a:pt x="1960062" y="1481211"/>
+                  </a:lnTo>
+                  <a:lnTo>
+                    <a:pt x="2009690" y="1435257"/>
+                  </a:lnTo>
+                  <a:lnTo>
+                    <a:pt x="2057726" y="1387642"/>
+                  </a:lnTo>
+                  <a:lnTo>
+                    <a:pt x="2008653" y="1339792"/>
+                  </a:lnTo>
+                  <a:lnTo>
+                    <a:pt x="1959580" y="1291942"/>
+                  </a:lnTo>
+                  <a:lnTo>
+                    <a:pt x="1910507" y="1244092"/>
+                  </a:lnTo>
+                  <a:lnTo>
+                    <a:pt x="1861434" y="1196243"/>
+                  </a:lnTo>
+                  <a:lnTo>
+                    <a:pt x="1812361" y="1148393"/>
+                  </a:lnTo>
+                  <a:lnTo>
+                    <a:pt x="1763287" y="1100543"/>
+                  </a:lnTo>
+                  <a:lnTo>
+                    <a:pt x="1714214" y="1052694"/>
+                  </a:lnTo>
+                  <a:lnTo>
+                    <a:pt x="1665141" y="1004844"/>
+                  </a:lnTo>
+                  <a:lnTo>
+                    <a:pt x="1616068" y="956994"/>
+                  </a:lnTo>
+                  <a:lnTo>
+                    <a:pt x="1566995" y="909144"/>
+                  </a:lnTo>
+                  <a:lnTo>
+                    <a:pt x="1517922" y="861295"/>
+                  </a:lnTo>
+                  <a:lnTo>
+                    <a:pt x="1468848" y="813445"/>
+                  </a:lnTo>
+                  <a:lnTo>
+                    <a:pt x="1419775" y="765595"/>
+                  </a:lnTo>
+                  <a:lnTo>
+                    <a:pt x="1370702" y="717745"/>
+                  </a:lnTo>
+                  <a:lnTo>
+                    <a:pt x="1321629" y="669896"/>
+                  </a:lnTo>
+                  <a:lnTo>
+                    <a:pt x="1272556" y="622046"/>
+                  </a:lnTo>
+                  <a:lnTo>
+                    <a:pt x="1223483" y="574196"/>
+                  </a:lnTo>
+                  <a:lnTo>
+                    <a:pt x="1174410" y="526347"/>
+                  </a:lnTo>
+                  <a:lnTo>
+                    <a:pt x="1125336" y="478497"/>
+                  </a:lnTo>
+                  <a:lnTo>
+                    <a:pt x="1076263" y="430647"/>
+                  </a:lnTo>
+                  <a:lnTo>
+                    <a:pt x="1027190" y="382797"/>
+                  </a:lnTo>
+                  <a:lnTo>
+                    <a:pt x="978117" y="334948"/>
+                  </a:lnTo>
+                  <a:lnTo>
+                    <a:pt x="929044" y="287098"/>
+                  </a:lnTo>
+                  <a:lnTo>
+                    <a:pt x="879971" y="239248"/>
+                  </a:lnTo>
+                  <a:lnTo>
+                    <a:pt x="830898" y="191398"/>
+                  </a:lnTo>
+                  <a:lnTo>
+                    <a:pt x="781824" y="143549"/>
+                  </a:lnTo>
+                  <a:lnTo>
+                    <a:pt x="732751" y="95699"/>
+                  </a:lnTo>
+                  <a:lnTo>
+                    <a:pt x="683678" y="47849"/>
                   </a:lnTo>
                   <a:close/>
                 </a:path>
@@ -5405,213 +5459,213 @@
           </p:nvSpPr>
           <p:spPr>
             <a:xfrm>
-              <a:off x="2827352" y="3960878"/>
-              <a:ext cx="1284299" cy="2000129"/>
+              <a:off x="2902151" y="3807225"/>
+              <a:ext cx="1209500" cy="1883640"/>
             </a:xfrm>
             <a:custGeom>
               <a:avLst/>
               <a:pathLst>
-                <a:path w="1284299" h="2000129">
+                <a:path w="1209500" h="1883640">
                   <a:moveTo>
-                    <a:pt x="1284299" y="0"/>
+                    <a:pt x="1209500" y="0"/>
                   </a:moveTo>
                   <a:lnTo>
-                    <a:pt x="1240013" y="57753"/>
-                  </a:lnTo>
-                  <a:lnTo>
-                    <a:pt x="1195726" y="115507"/>
-                  </a:lnTo>
-                  <a:lnTo>
-                    <a:pt x="1151440" y="173261"/>
-                  </a:lnTo>
-                  <a:lnTo>
-                    <a:pt x="1107154" y="231015"/>
-                  </a:lnTo>
-                  <a:lnTo>
-                    <a:pt x="1062868" y="288769"/>
-                  </a:lnTo>
-                  <a:lnTo>
-                    <a:pt x="1018582" y="346523"/>
-                  </a:lnTo>
-                  <a:lnTo>
-                    <a:pt x="974296" y="404277"/>
-                  </a:lnTo>
-                  <a:lnTo>
-                    <a:pt x="930009" y="462031"/>
-                  </a:lnTo>
-                  <a:lnTo>
-                    <a:pt x="885723" y="519785"/>
-                  </a:lnTo>
-                  <a:lnTo>
-                    <a:pt x="841437" y="577539"/>
-                  </a:lnTo>
-                  <a:lnTo>
-                    <a:pt x="797151" y="635293"/>
-                  </a:lnTo>
-                  <a:lnTo>
-                    <a:pt x="752865" y="693047"/>
-                  </a:lnTo>
-                  <a:lnTo>
-                    <a:pt x="708578" y="750801"/>
-                  </a:lnTo>
-                  <a:lnTo>
-                    <a:pt x="664292" y="808555"/>
-                  </a:lnTo>
-                  <a:lnTo>
-                    <a:pt x="620006" y="866309"/>
-                  </a:lnTo>
-                  <a:lnTo>
-                    <a:pt x="575720" y="924062"/>
-                  </a:lnTo>
-                  <a:lnTo>
-                    <a:pt x="531434" y="981816"/>
-                  </a:lnTo>
-                  <a:lnTo>
-                    <a:pt x="487148" y="1039570"/>
-                  </a:lnTo>
-                  <a:lnTo>
-                    <a:pt x="442861" y="1097324"/>
-                  </a:lnTo>
-                  <a:lnTo>
-                    <a:pt x="398575" y="1155078"/>
-                  </a:lnTo>
-                  <a:lnTo>
-                    <a:pt x="354289" y="1212832"/>
-                  </a:lnTo>
-                  <a:lnTo>
-                    <a:pt x="310003" y="1270586"/>
-                  </a:lnTo>
-                  <a:lnTo>
-                    <a:pt x="265717" y="1328340"/>
-                  </a:lnTo>
-                  <a:lnTo>
-                    <a:pt x="221430" y="1386094"/>
-                  </a:lnTo>
-                  <a:lnTo>
-                    <a:pt x="177144" y="1443848"/>
-                  </a:lnTo>
-                  <a:lnTo>
-                    <a:pt x="132858" y="1501602"/>
-                  </a:lnTo>
-                  <a:lnTo>
-                    <a:pt x="88572" y="1559356"/>
-                  </a:lnTo>
-                  <a:lnTo>
-                    <a:pt x="44286" y="1617110"/>
-                  </a:lnTo>
-                  <a:lnTo>
-                    <a:pt x="0" y="1674864"/>
-                  </a:lnTo>
-                  <a:lnTo>
-                    <a:pt x="62110" y="1720711"/>
-                  </a:lnTo>
-                  <a:lnTo>
-                    <a:pt x="125855" y="1764257"/>
-                  </a:lnTo>
-                  <a:lnTo>
-                    <a:pt x="191151" y="1805442"/>
-                  </a:lnTo>
-                  <a:lnTo>
-                    <a:pt x="257909" y="1844211"/>
-                  </a:lnTo>
-                  <a:lnTo>
-                    <a:pt x="326040" y="1880514"/>
-                  </a:lnTo>
-                  <a:lnTo>
-                    <a:pt x="395453" y="1914300"/>
-                  </a:lnTo>
-                  <a:lnTo>
-                    <a:pt x="466055" y="1945526"/>
-                  </a:lnTo>
-                  <a:lnTo>
-                    <a:pt x="537752" y="1974148"/>
-                  </a:lnTo>
-                  <a:lnTo>
-                    <a:pt x="610448" y="2000129"/>
-                  </a:lnTo>
-                  <a:lnTo>
-                    <a:pt x="633684" y="1931159"/>
-                  </a:lnTo>
-                  <a:lnTo>
-                    <a:pt x="656920" y="1862189"/>
-                  </a:lnTo>
-                  <a:lnTo>
-                    <a:pt x="680156" y="1793219"/>
-                  </a:lnTo>
-                  <a:lnTo>
-                    <a:pt x="703393" y="1724249"/>
-                  </a:lnTo>
-                  <a:lnTo>
-                    <a:pt x="726629" y="1655279"/>
-                  </a:lnTo>
-                  <a:lnTo>
-                    <a:pt x="749865" y="1586309"/>
-                  </a:lnTo>
-                  <a:lnTo>
-                    <a:pt x="773101" y="1517339"/>
-                  </a:lnTo>
-                  <a:lnTo>
-                    <a:pt x="796338" y="1448369"/>
-                  </a:lnTo>
-                  <a:lnTo>
-                    <a:pt x="819574" y="1379399"/>
-                  </a:lnTo>
-                  <a:lnTo>
-                    <a:pt x="842810" y="1310429"/>
-                  </a:lnTo>
-                  <a:lnTo>
-                    <a:pt x="866046" y="1241459"/>
-                  </a:lnTo>
-                  <a:lnTo>
-                    <a:pt x="889283" y="1172489"/>
-                  </a:lnTo>
-                  <a:lnTo>
-                    <a:pt x="912519" y="1103519"/>
-                  </a:lnTo>
-                  <a:lnTo>
-                    <a:pt x="935755" y="1034549"/>
-                  </a:lnTo>
-                  <a:lnTo>
-                    <a:pt x="958991" y="965579"/>
-                  </a:lnTo>
-                  <a:lnTo>
-                    <a:pt x="982228" y="896609"/>
-                  </a:lnTo>
-                  <a:lnTo>
-                    <a:pt x="1005464" y="827639"/>
-                  </a:lnTo>
-                  <a:lnTo>
-                    <a:pt x="1028700" y="758669"/>
-                  </a:lnTo>
-                  <a:lnTo>
-                    <a:pt x="1051936" y="689699"/>
-                  </a:lnTo>
-                  <a:lnTo>
-                    <a:pt x="1075173" y="620729"/>
-                  </a:lnTo>
-                  <a:lnTo>
-                    <a:pt x="1098409" y="551759"/>
-                  </a:lnTo>
-                  <a:lnTo>
-                    <a:pt x="1121645" y="482789"/>
-                  </a:lnTo>
-                  <a:lnTo>
-                    <a:pt x="1144881" y="413819"/>
-                  </a:lnTo>
-                  <a:lnTo>
-                    <a:pt x="1168118" y="344849"/>
-                  </a:lnTo>
-                  <a:lnTo>
-                    <a:pt x="1191354" y="275879"/>
-                  </a:lnTo>
-                  <a:lnTo>
-                    <a:pt x="1214590" y="206909"/>
-                  </a:lnTo>
-                  <a:lnTo>
-                    <a:pt x="1237826" y="137939"/>
-                  </a:lnTo>
-                  <a:lnTo>
-                    <a:pt x="1261063" y="68969"/>
+                    <a:pt x="1167793" y="54390"/>
+                  </a:lnTo>
+                  <a:lnTo>
+                    <a:pt x="1126086" y="108780"/>
+                  </a:lnTo>
+                  <a:lnTo>
+                    <a:pt x="1084379" y="163170"/>
+                  </a:lnTo>
+                  <a:lnTo>
+                    <a:pt x="1042672" y="217561"/>
+                  </a:lnTo>
+                  <a:lnTo>
+                    <a:pt x="1000965" y="271951"/>
+                  </a:lnTo>
+                  <a:lnTo>
+                    <a:pt x="959259" y="326341"/>
+                  </a:lnTo>
+                  <a:lnTo>
+                    <a:pt x="917552" y="380732"/>
+                  </a:lnTo>
+                  <a:lnTo>
+                    <a:pt x="875845" y="435122"/>
+                  </a:lnTo>
+                  <a:lnTo>
+                    <a:pt x="834138" y="489512"/>
+                  </a:lnTo>
+                  <a:lnTo>
+                    <a:pt x="792431" y="543902"/>
+                  </a:lnTo>
+                  <a:lnTo>
+                    <a:pt x="750724" y="598293"/>
+                  </a:lnTo>
+                  <a:lnTo>
+                    <a:pt x="709017" y="652683"/>
+                  </a:lnTo>
+                  <a:lnTo>
+                    <a:pt x="667310" y="707073"/>
+                  </a:lnTo>
+                  <a:lnTo>
+                    <a:pt x="625603" y="761464"/>
+                  </a:lnTo>
+                  <a:lnTo>
+                    <a:pt x="583896" y="815854"/>
+                  </a:lnTo>
+                  <a:lnTo>
+                    <a:pt x="542189" y="870244"/>
+                  </a:lnTo>
+                  <a:lnTo>
+                    <a:pt x="500482" y="924635"/>
+                  </a:lnTo>
+                  <a:lnTo>
+                    <a:pt x="458776" y="979025"/>
+                  </a:lnTo>
+                  <a:lnTo>
+                    <a:pt x="417069" y="1033415"/>
+                  </a:lnTo>
+                  <a:lnTo>
+                    <a:pt x="375362" y="1087805"/>
+                  </a:lnTo>
+                  <a:lnTo>
+                    <a:pt x="333655" y="1142196"/>
+                  </a:lnTo>
+                  <a:lnTo>
+                    <a:pt x="291948" y="1196586"/>
+                  </a:lnTo>
+                  <a:lnTo>
+                    <a:pt x="250241" y="1250976"/>
+                  </a:lnTo>
+                  <a:lnTo>
+                    <a:pt x="208534" y="1305367"/>
+                  </a:lnTo>
+                  <a:lnTo>
+                    <a:pt x="166827" y="1359757"/>
+                  </a:lnTo>
+                  <a:lnTo>
+                    <a:pt x="125120" y="1414147"/>
+                  </a:lnTo>
+                  <a:lnTo>
+                    <a:pt x="83413" y="1468537"/>
+                  </a:lnTo>
+                  <a:lnTo>
+                    <a:pt x="41706" y="1522928"/>
+                  </a:lnTo>
+                  <a:lnTo>
+                    <a:pt x="0" y="1577318"/>
+                  </a:lnTo>
+                  <a:lnTo>
+                    <a:pt x="58493" y="1620495"/>
+                  </a:lnTo>
+                  <a:lnTo>
+                    <a:pt x="118525" y="1661505"/>
+                  </a:lnTo>
+                  <a:lnTo>
+                    <a:pt x="180018" y="1700291"/>
+                  </a:lnTo>
+                  <a:lnTo>
+                    <a:pt x="242888" y="1736803"/>
+                  </a:lnTo>
+                  <a:lnTo>
+                    <a:pt x="307051" y="1770991"/>
+                  </a:lnTo>
+                  <a:lnTo>
+                    <a:pt x="372421" y="1802810"/>
+                  </a:lnTo>
+                  <a:lnTo>
+                    <a:pt x="438911" y="1832216"/>
+                  </a:lnTo>
+                  <a:lnTo>
+                    <a:pt x="506433" y="1859172"/>
+                  </a:lnTo>
+                  <a:lnTo>
+                    <a:pt x="574895" y="1883640"/>
+                  </a:lnTo>
+                  <a:lnTo>
+                    <a:pt x="596778" y="1818687"/>
+                  </a:lnTo>
+                  <a:lnTo>
+                    <a:pt x="618661" y="1753734"/>
+                  </a:lnTo>
+                  <a:lnTo>
+                    <a:pt x="640543" y="1688781"/>
+                  </a:lnTo>
+                  <a:lnTo>
+                    <a:pt x="662426" y="1623827"/>
+                  </a:lnTo>
+                  <a:lnTo>
+                    <a:pt x="684309" y="1558874"/>
+                  </a:lnTo>
+                  <a:lnTo>
+                    <a:pt x="706192" y="1493921"/>
+                  </a:lnTo>
+                  <a:lnTo>
+                    <a:pt x="728075" y="1428968"/>
+                  </a:lnTo>
+                  <a:lnTo>
+                    <a:pt x="749958" y="1364015"/>
+                  </a:lnTo>
+                  <a:lnTo>
+                    <a:pt x="771841" y="1299062"/>
+                  </a:lnTo>
+                  <a:lnTo>
+                    <a:pt x="793724" y="1234109"/>
+                  </a:lnTo>
+                  <a:lnTo>
+                    <a:pt x="815607" y="1169156"/>
+                  </a:lnTo>
+                  <a:lnTo>
+                    <a:pt x="837490" y="1104203"/>
+                  </a:lnTo>
+                  <a:lnTo>
+                    <a:pt x="859373" y="1039249"/>
+                  </a:lnTo>
+                  <a:lnTo>
+                    <a:pt x="881256" y="974296"/>
+                  </a:lnTo>
+                  <a:lnTo>
+                    <a:pt x="903139" y="909343"/>
+                  </a:lnTo>
+                  <a:lnTo>
+                    <a:pt x="925022" y="844390"/>
+                  </a:lnTo>
+                  <a:lnTo>
+                    <a:pt x="946905" y="779437"/>
+                  </a:lnTo>
+                  <a:lnTo>
+                    <a:pt x="968788" y="714484"/>
+                  </a:lnTo>
+                  <a:lnTo>
+                    <a:pt x="990671" y="649531"/>
+                  </a:lnTo>
+                  <a:lnTo>
+                    <a:pt x="1012554" y="584578"/>
+                  </a:lnTo>
+                  <a:lnTo>
+                    <a:pt x="1034436" y="519624"/>
+                  </a:lnTo>
+                  <a:lnTo>
+                    <a:pt x="1056319" y="454671"/>
+                  </a:lnTo>
+                  <a:lnTo>
+                    <a:pt x="1078202" y="389718"/>
+                  </a:lnTo>
+                  <a:lnTo>
+                    <a:pt x="1100085" y="324765"/>
+                  </a:lnTo>
+                  <a:lnTo>
+                    <a:pt x="1121968" y="259812"/>
+                  </a:lnTo>
+                  <a:lnTo>
+                    <a:pt x="1143851" y="194859"/>
+                  </a:lnTo>
+                  <a:lnTo>
+                    <a:pt x="1165734" y="129906"/>
+                  </a:lnTo>
+                  <a:lnTo>
+                    <a:pt x="1187617" y="64953"/>
                   </a:lnTo>
                   <a:close/>
                 </a:path>
@@ -5646,207 +5700,207 @@
           </p:nvSpPr>
           <p:spPr>
             <a:xfrm>
-              <a:off x="2429364" y="3960878"/>
-              <a:ext cx="1682286" cy="1674864"/>
+              <a:off x="2527342" y="3807225"/>
+              <a:ext cx="1584308" cy="1577318"/>
             </a:xfrm>
             <a:custGeom>
               <a:avLst/>
               <a:pathLst>
-                <a:path w="1682286" h="1674864">
+                <a:path w="1584308" h="1577318">
                   <a:moveTo>
-                    <a:pt x="1682286" y="0"/>
+                    <a:pt x="1584308" y="0"/>
                   </a:moveTo>
                   <a:lnTo>
-                    <a:pt x="1624276" y="43950"/>
-                  </a:lnTo>
-                  <a:lnTo>
-                    <a:pt x="1566266" y="87900"/>
-                  </a:lnTo>
-                  <a:lnTo>
-                    <a:pt x="1508257" y="131851"/>
-                  </a:lnTo>
-                  <a:lnTo>
-                    <a:pt x="1450247" y="175801"/>
-                  </a:lnTo>
-                  <a:lnTo>
-                    <a:pt x="1392237" y="219751"/>
-                  </a:lnTo>
-                  <a:lnTo>
-                    <a:pt x="1334227" y="263702"/>
-                  </a:lnTo>
-                  <a:lnTo>
-                    <a:pt x="1276217" y="307652"/>
-                  </a:lnTo>
-                  <a:lnTo>
-                    <a:pt x="1218207" y="351603"/>
-                  </a:lnTo>
-                  <a:lnTo>
-                    <a:pt x="1160197" y="395553"/>
-                  </a:lnTo>
-                  <a:lnTo>
-                    <a:pt x="1102187" y="439503"/>
-                  </a:lnTo>
-                  <a:lnTo>
-                    <a:pt x="1044177" y="483454"/>
-                  </a:lnTo>
-                  <a:lnTo>
-                    <a:pt x="986168" y="527404"/>
-                  </a:lnTo>
-                  <a:lnTo>
-                    <a:pt x="928158" y="571354"/>
-                  </a:lnTo>
-                  <a:lnTo>
-                    <a:pt x="870148" y="615305"/>
-                  </a:lnTo>
-                  <a:lnTo>
-                    <a:pt x="812138" y="659255"/>
-                  </a:lnTo>
-                  <a:lnTo>
-                    <a:pt x="754128" y="703206"/>
-                  </a:lnTo>
-                  <a:lnTo>
-                    <a:pt x="696118" y="747156"/>
-                  </a:lnTo>
-                  <a:lnTo>
-                    <a:pt x="638108" y="791106"/>
-                  </a:lnTo>
-                  <a:lnTo>
-                    <a:pt x="580098" y="835057"/>
-                  </a:lnTo>
-                  <a:lnTo>
-                    <a:pt x="522088" y="879007"/>
-                  </a:lnTo>
-                  <a:lnTo>
-                    <a:pt x="464079" y="922958"/>
-                  </a:lnTo>
-                  <a:lnTo>
-                    <a:pt x="406069" y="966908"/>
-                  </a:lnTo>
-                  <a:lnTo>
-                    <a:pt x="348059" y="1010858"/>
-                  </a:lnTo>
-                  <a:lnTo>
-                    <a:pt x="290049" y="1054809"/>
-                  </a:lnTo>
-                  <a:lnTo>
-                    <a:pt x="232039" y="1098759"/>
-                  </a:lnTo>
-                  <a:lnTo>
-                    <a:pt x="174029" y="1142709"/>
-                  </a:lnTo>
-                  <a:lnTo>
-                    <a:pt x="116019" y="1186660"/>
-                  </a:lnTo>
-                  <a:lnTo>
-                    <a:pt x="58009" y="1230610"/>
-                  </a:lnTo>
-                  <a:lnTo>
-                    <a:pt x="0" y="1274561"/>
-                  </a:lnTo>
-                  <a:lnTo>
-                    <a:pt x="50066" y="1338078"/>
-                  </a:lnTo>
-                  <a:lnTo>
-                    <a:pt x="102530" y="1399630"/>
-                  </a:lnTo>
-                  <a:lnTo>
-                    <a:pt x="157314" y="1459127"/>
-                  </a:lnTo>
-                  <a:lnTo>
-                    <a:pt x="214336" y="1516481"/>
-                  </a:lnTo>
-                  <a:lnTo>
-                    <a:pt x="273514" y="1571609"/>
-                  </a:lnTo>
-                  <a:lnTo>
-                    <a:pt x="334761" y="1624429"/>
-                  </a:lnTo>
-                  <a:lnTo>
-                    <a:pt x="397987" y="1674864"/>
-                  </a:lnTo>
-                  <a:lnTo>
-                    <a:pt x="442273" y="1617110"/>
-                  </a:lnTo>
-                  <a:lnTo>
-                    <a:pt x="486559" y="1559356"/>
-                  </a:lnTo>
-                  <a:lnTo>
-                    <a:pt x="530845" y="1501602"/>
-                  </a:lnTo>
-                  <a:lnTo>
-                    <a:pt x="575132" y="1443848"/>
-                  </a:lnTo>
-                  <a:lnTo>
-                    <a:pt x="619418" y="1386094"/>
-                  </a:lnTo>
-                  <a:lnTo>
-                    <a:pt x="663704" y="1328340"/>
-                  </a:lnTo>
-                  <a:lnTo>
-                    <a:pt x="707990" y="1270586"/>
-                  </a:lnTo>
-                  <a:lnTo>
-                    <a:pt x="752276" y="1212832"/>
-                  </a:lnTo>
-                  <a:lnTo>
-                    <a:pt x="796563" y="1155078"/>
-                  </a:lnTo>
-                  <a:lnTo>
-                    <a:pt x="840849" y="1097324"/>
-                  </a:lnTo>
-                  <a:lnTo>
-                    <a:pt x="885135" y="1039570"/>
-                  </a:lnTo>
-                  <a:lnTo>
-                    <a:pt x="929421" y="981816"/>
-                  </a:lnTo>
-                  <a:lnTo>
-                    <a:pt x="973707" y="924062"/>
-                  </a:lnTo>
-                  <a:lnTo>
-                    <a:pt x="1017993" y="866309"/>
-                  </a:lnTo>
-                  <a:lnTo>
-                    <a:pt x="1062280" y="808555"/>
-                  </a:lnTo>
-                  <a:lnTo>
-                    <a:pt x="1106566" y="750801"/>
-                  </a:lnTo>
-                  <a:lnTo>
-                    <a:pt x="1150852" y="693047"/>
-                  </a:lnTo>
-                  <a:lnTo>
-                    <a:pt x="1195138" y="635293"/>
-                  </a:lnTo>
-                  <a:lnTo>
-                    <a:pt x="1239424" y="577539"/>
-                  </a:lnTo>
-                  <a:lnTo>
-                    <a:pt x="1283711" y="519785"/>
-                  </a:lnTo>
-                  <a:lnTo>
-                    <a:pt x="1327997" y="462031"/>
-                  </a:lnTo>
-                  <a:lnTo>
-                    <a:pt x="1372283" y="404277"/>
-                  </a:lnTo>
-                  <a:lnTo>
-                    <a:pt x="1416569" y="346523"/>
-                  </a:lnTo>
-                  <a:lnTo>
-                    <a:pt x="1460855" y="288769"/>
-                  </a:lnTo>
-                  <a:lnTo>
-                    <a:pt x="1505141" y="231015"/>
-                  </a:lnTo>
-                  <a:lnTo>
-                    <a:pt x="1549428" y="173261"/>
-                  </a:lnTo>
-                  <a:lnTo>
-                    <a:pt x="1593714" y="115507"/>
-                  </a:lnTo>
-                  <a:lnTo>
-                    <a:pt x="1638000" y="57753"/>
+                    <a:pt x="1529677" y="41390"/>
+                  </a:lnTo>
+                  <a:lnTo>
+                    <a:pt x="1475046" y="82781"/>
+                  </a:lnTo>
+                  <a:lnTo>
+                    <a:pt x="1420414" y="124172"/>
+                  </a:lnTo>
+                  <a:lnTo>
+                    <a:pt x="1365783" y="165562"/>
+                  </a:lnTo>
+                  <a:lnTo>
+                    <a:pt x="1311152" y="206953"/>
+                  </a:lnTo>
+                  <a:lnTo>
+                    <a:pt x="1256520" y="248344"/>
+                  </a:lnTo>
+                  <a:lnTo>
+                    <a:pt x="1201889" y="289734"/>
+                  </a:lnTo>
+                  <a:lnTo>
+                    <a:pt x="1147258" y="331125"/>
+                  </a:lnTo>
+                  <a:lnTo>
+                    <a:pt x="1092626" y="372516"/>
+                  </a:lnTo>
+                  <a:lnTo>
+                    <a:pt x="1037995" y="413906"/>
+                  </a:lnTo>
+                  <a:lnTo>
+                    <a:pt x="983364" y="455297"/>
+                  </a:lnTo>
+                  <a:lnTo>
+                    <a:pt x="928732" y="496688"/>
+                  </a:lnTo>
+                  <a:lnTo>
+                    <a:pt x="874101" y="538078"/>
+                  </a:lnTo>
+                  <a:lnTo>
+                    <a:pt x="819470" y="579469"/>
+                  </a:lnTo>
+                  <a:lnTo>
+                    <a:pt x="764838" y="620860"/>
+                  </a:lnTo>
+                  <a:lnTo>
+                    <a:pt x="710207" y="662250"/>
+                  </a:lnTo>
+                  <a:lnTo>
+                    <a:pt x="655576" y="703641"/>
+                  </a:lnTo>
+                  <a:lnTo>
+                    <a:pt x="600944" y="745032"/>
+                  </a:lnTo>
+                  <a:lnTo>
+                    <a:pt x="546313" y="786422"/>
+                  </a:lnTo>
+                  <a:lnTo>
+                    <a:pt x="491682" y="827813"/>
+                  </a:lnTo>
+                  <a:lnTo>
+                    <a:pt x="437050" y="869204"/>
+                  </a:lnTo>
+                  <a:lnTo>
+                    <a:pt x="382419" y="910594"/>
+                  </a:lnTo>
+                  <a:lnTo>
+                    <a:pt x="327788" y="951985"/>
+                  </a:lnTo>
+                  <a:lnTo>
+                    <a:pt x="273156" y="993376"/>
+                  </a:lnTo>
+                  <a:lnTo>
+                    <a:pt x="218525" y="1034766"/>
+                  </a:lnTo>
+                  <a:lnTo>
+                    <a:pt x="163894" y="1076157"/>
+                  </a:lnTo>
+                  <a:lnTo>
+                    <a:pt x="109262" y="1117548"/>
+                  </a:lnTo>
+                  <a:lnTo>
+                    <a:pt x="54631" y="1158938"/>
+                  </a:lnTo>
+                  <a:lnTo>
+                    <a:pt x="0" y="1200329"/>
+                  </a:lnTo>
+                  <a:lnTo>
+                    <a:pt x="47151" y="1260147"/>
+                  </a:lnTo>
+                  <a:lnTo>
+                    <a:pt x="96559" y="1318114"/>
+                  </a:lnTo>
+                  <a:lnTo>
+                    <a:pt x="148151" y="1374146"/>
+                  </a:lnTo>
+                  <a:lnTo>
+                    <a:pt x="201853" y="1428160"/>
+                  </a:lnTo>
+                  <a:lnTo>
+                    <a:pt x="257585" y="1480077"/>
+                  </a:lnTo>
+                  <a:lnTo>
+                    <a:pt x="315265" y="1529821"/>
+                  </a:lnTo>
+                  <a:lnTo>
+                    <a:pt x="374808" y="1577318"/>
+                  </a:lnTo>
+                  <a:lnTo>
+                    <a:pt x="416515" y="1522928"/>
+                  </a:lnTo>
+                  <a:lnTo>
+                    <a:pt x="458222" y="1468537"/>
+                  </a:lnTo>
+                  <a:lnTo>
+                    <a:pt x="499929" y="1414147"/>
+                  </a:lnTo>
+                  <a:lnTo>
+                    <a:pt x="541635" y="1359757"/>
+                  </a:lnTo>
+                  <a:lnTo>
+                    <a:pt x="583342" y="1305367"/>
+                  </a:lnTo>
+                  <a:lnTo>
+                    <a:pt x="625049" y="1250976"/>
+                  </a:lnTo>
+                  <a:lnTo>
+                    <a:pt x="666756" y="1196586"/>
+                  </a:lnTo>
+                  <a:lnTo>
+                    <a:pt x="708463" y="1142196"/>
+                  </a:lnTo>
+                  <a:lnTo>
+                    <a:pt x="750170" y="1087805"/>
+                  </a:lnTo>
+                  <a:lnTo>
+                    <a:pt x="791877" y="1033415"/>
+                  </a:lnTo>
+                  <a:lnTo>
+                    <a:pt x="833584" y="979025"/>
+                  </a:lnTo>
+                  <a:lnTo>
+                    <a:pt x="875291" y="924635"/>
+                  </a:lnTo>
+                  <a:lnTo>
+                    <a:pt x="916998" y="870244"/>
+                  </a:lnTo>
+                  <a:lnTo>
+                    <a:pt x="958705" y="815854"/>
+                  </a:lnTo>
+                  <a:lnTo>
+                    <a:pt x="1000411" y="761464"/>
+                  </a:lnTo>
+                  <a:lnTo>
+                    <a:pt x="1042118" y="707073"/>
+                  </a:lnTo>
+                  <a:lnTo>
+                    <a:pt x="1083825" y="652683"/>
+                  </a:lnTo>
+                  <a:lnTo>
+                    <a:pt x="1125532" y="598293"/>
+                  </a:lnTo>
+                  <a:lnTo>
+                    <a:pt x="1167239" y="543902"/>
+                  </a:lnTo>
+                  <a:lnTo>
+                    <a:pt x="1208946" y="489512"/>
+                  </a:lnTo>
+                  <a:lnTo>
+                    <a:pt x="1250653" y="435122"/>
+                  </a:lnTo>
+                  <a:lnTo>
+                    <a:pt x="1292360" y="380732"/>
+                  </a:lnTo>
+                  <a:lnTo>
+                    <a:pt x="1334067" y="326341"/>
+                  </a:lnTo>
+                  <a:lnTo>
+                    <a:pt x="1375774" y="271951"/>
+                  </a:lnTo>
+                  <a:lnTo>
+                    <a:pt x="1417481" y="217561"/>
+                  </a:lnTo>
+                  <a:lnTo>
+                    <a:pt x="1459188" y="163170"/>
+                  </a:lnTo>
+                  <a:lnTo>
+                    <a:pt x="1500894" y="108780"/>
+                  </a:lnTo>
+                  <a:lnTo>
+                    <a:pt x="1542601" y="54390"/>
                   </a:lnTo>
                   <a:close/>
                 </a:path>
@@ -5881,282 +5935,282 @@
           </p:nvSpPr>
           <p:spPr>
             <a:xfrm>
-              <a:off x="2001060" y="3056713"/>
-              <a:ext cx="2110590" cy="2178726"/>
+              <a:off x="2123983" y="2955719"/>
+              <a:ext cx="1987668" cy="2051835"/>
             </a:xfrm>
             <a:custGeom>
               <a:avLst/>
               <a:pathLst>
-                <a:path w="2110590" h="2178726">
+                <a:path w="1987668" h="2051835">
                   <a:moveTo>
-                    <a:pt x="2110590" y="904165"/>
+                    <a:pt x="1987668" y="851505"/>
                   </a:moveTo>
                   <a:lnTo>
-                    <a:pt x="2044828" y="872987"/>
-                  </a:lnTo>
-                  <a:lnTo>
-                    <a:pt x="1979065" y="841809"/>
-                  </a:lnTo>
-                  <a:lnTo>
-                    <a:pt x="1913303" y="810631"/>
-                  </a:lnTo>
-                  <a:lnTo>
-                    <a:pt x="1847540" y="779452"/>
-                  </a:lnTo>
-                  <a:lnTo>
-                    <a:pt x="1781778" y="748274"/>
-                  </a:lnTo>
-                  <a:lnTo>
-                    <a:pt x="1716015" y="717096"/>
-                  </a:lnTo>
-                  <a:lnTo>
-                    <a:pt x="1650253" y="685918"/>
-                  </a:lnTo>
-                  <a:lnTo>
-                    <a:pt x="1584490" y="654740"/>
-                  </a:lnTo>
-                  <a:lnTo>
-                    <a:pt x="1518728" y="623562"/>
-                  </a:lnTo>
-                  <a:lnTo>
-                    <a:pt x="1452965" y="592384"/>
-                  </a:lnTo>
-                  <a:lnTo>
-                    <a:pt x="1387203" y="561206"/>
-                  </a:lnTo>
-                  <a:lnTo>
-                    <a:pt x="1321440" y="530027"/>
-                  </a:lnTo>
-                  <a:lnTo>
-                    <a:pt x="1255678" y="498849"/>
-                  </a:lnTo>
-                  <a:lnTo>
-                    <a:pt x="1189915" y="467671"/>
-                  </a:lnTo>
-                  <a:lnTo>
-                    <a:pt x="1124153" y="436493"/>
-                  </a:lnTo>
-                  <a:lnTo>
-                    <a:pt x="1058390" y="405315"/>
-                  </a:lnTo>
-                  <a:lnTo>
-                    <a:pt x="992628" y="374137"/>
-                  </a:lnTo>
-                  <a:lnTo>
-                    <a:pt x="926865" y="342959"/>
-                  </a:lnTo>
-                  <a:lnTo>
-                    <a:pt x="861102" y="311781"/>
-                  </a:lnTo>
-                  <a:lnTo>
-                    <a:pt x="795340" y="280603"/>
-                  </a:lnTo>
-                  <a:lnTo>
-                    <a:pt x="729577" y="249424"/>
-                  </a:lnTo>
-                  <a:lnTo>
-                    <a:pt x="663815" y="218246"/>
-                  </a:lnTo>
-                  <a:lnTo>
-                    <a:pt x="598052" y="187068"/>
-                  </a:lnTo>
-                  <a:lnTo>
-                    <a:pt x="532290" y="155890"/>
-                  </a:lnTo>
-                  <a:lnTo>
-                    <a:pt x="466527" y="124712"/>
-                  </a:lnTo>
-                  <a:lnTo>
-                    <a:pt x="400765" y="93534"/>
-                  </a:lnTo>
-                  <a:lnTo>
-                    <a:pt x="335002" y="62356"/>
-                  </a:lnTo>
-                  <a:lnTo>
-                    <a:pt x="269240" y="31178"/>
-                  </a:lnTo>
-                  <a:lnTo>
-                    <a:pt x="203477" y="0"/>
-                  </a:lnTo>
-                  <a:lnTo>
-                    <a:pt x="173763" y="65538"/>
-                  </a:lnTo>
-                  <a:lnTo>
-                    <a:pt x="146300" y="132052"/>
-                  </a:lnTo>
-                  <a:lnTo>
-                    <a:pt x="121121" y="199463"/>
-                  </a:lnTo>
-                  <a:lnTo>
-                    <a:pt x="98254" y="267693"/>
-                  </a:lnTo>
-                  <a:lnTo>
-                    <a:pt x="77726" y="336663"/>
-                  </a:lnTo>
-                  <a:lnTo>
-                    <a:pt x="59562" y="406293"/>
-                  </a:lnTo>
-                  <a:lnTo>
-                    <a:pt x="43781" y="476501"/>
-                  </a:lnTo>
-                  <a:lnTo>
-                    <a:pt x="30404" y="547207"/>
-                  </a:lnTo>
-                  <a:lnTo>
-                    <a:pt x="19444" y="618328"/>
-                  </a:lnTo>
-                  <a:lnTo>
-                    <a:pt x="10916" y="689781"/>
-                  </a:lnTo>
-                  <a:lnTo>
-                    <a:pt x="4828" y="761483"/>
-                  </a:lnTo>
-                  <a:lnTo>
-                    <a:pt x="1187" y="833351"/>
-                  </a:lnTo>
-                  <a:lnTo>
-                    <a:pt x="0" y="905301"/>
-                  </a:lnTo>
-                  <a:lnTo>
-                    <a:pt x="1265" y="977250"/>
-                  </a:lnTo>
-                  <a:lnTo>
-                    <a:pt x="4982" y="1049114"/>
-                  </a:lnTo>
-                  <a:lnTo>
-                    <a:pt x="11148" y="1120810"/>
-                  </a:lnTo>
-                  <a:lnTo>
-                    <a:pt x="19753" y="1192253"/>
-                  </a:lnTo>
-                  <a:lnTo>
-                    <a:pt x="30789" y="1263362"/>
-                  </a:lnTo>
-                  <a:lnTo>
-                    <a:pt x="44243" y="1334053"/>
-                  </a:lnTo>
-                  <a:lnTo>
-                    <a:pt x="60099" y="1404245"/>
-                  </a:lnTo>
-                  <a:lnTo>
-                    <a:pt x="78338" y="1473855"/>
-                  </a:lnTo>
-                  <a:lnTo>
-                    <a:pt x="98940" y="1542803"/>
-                  </a:lnTo>
-                  <a:lnTo>
-                    <a:pt x="121881" y="1611009"/>
-                  </a:lnTo>
-                  <a:lnTo>
-                    <a:pt x="147133" y="1678393"/>
-                  </a:lnTo>
-                  <a:lnTo>
-                    <a:pt x="174667" y="1744876"/>
-                  </a:lnTo>
-                  <a:lnTo>
-                    <a:pt x="204452" y="1810383"/>
-                  </a:lnTo>
-                  <a:lnTo>
-                    <a:pt x="236453" y="1874836"/>
-                  </a:lnTo>
-                  <a:lnTo>
-                    <a:pt x="270632" y="1938161"/>
-                  </a:lnTo>
-                  <a:lnTo>
-                    <a:pt x="306950" y="2000284"/>
-                  </a:lnTo>
-                  <a:lnTo>
-                    <a:pt x="345365" y="2061133"/>
-                  </a:lnTo>
-                  <a:lnTo>
-                    <a:pt x="385832" y="2120636"/>
-                  </a:lnTo>
-                  <a:lnTo>
-                    <a:pt x="428304" y="2178726"/>
-                  </a:lnTo>
-                  <a:lnTo>
-                    <a:pt x="486313" y="2134776"/>
-                  </a:lnTo>
-                  <a:lnTo>
-                    <a:pt x="544323" y="2090825"/>
-                  </a:lnTo>
-                  <a:lnTo>
-                    <a:pt x="602333" y="2046875"/>
-                  </a:lnTo>
-                  <a:lnTo>
-                    <a:pt x="660343" y="2002924"/>
-                  </a:lnTo>
-                  <a:lnTo>
-                    <a:pt x="718353" y="1958974"/>
-                  </a:lnTo>
-                  <a:lnTo>
-                    <a:pt x="776363" y="1915024"/>
-                  </a:lnTo>
-                  <a:lnTo>
-                    <a:pt x="834373" y="1871073"/>
-                  </a:lnTo>
-                  <a:lnTo>
-                    <a:pt x="892383" y="1827123"/>
-                  </a:lnTo>
-                  <a:lnTo>
-                    <a:pt x="950393" y="1783173"/>
-                  </a:lnTo>
-                  <a:lnTo>
-                    <a:pt x="1008402" y="1739222"/>
-                  </a:lnTo>
-                  <a:lnTo>
-                    <a:pt x="1066412" y="1695272"/>
-                  </a:lnTo>
-                  <a:lnTo>
-                    <a:pt x="1124422" y="1651321"/>
-                  </a:lnTo>
-                  <a:lnTo>
-                    <a:pt x="1182432" y="1607371"/>
-                  </a:lnTo>
-                  <a:lnTo>
-                    <a:pt x="1240442" y="1563421"/>
-                  </a:lnTo>
-                  <a:lnTo>
-                    <a:pt x="1298452" y="1519470"/>
-                  </a:lnTo>
-                  <a:lnTo>
-                    <a:pt x="1356462" y="1475520"/>
-                  </a:lnTo>
-                  <a:lnTo>
-                    <a:pt x="1414472" y="1431569"/>
-                  </a:lnTo>
-                  <a:lnTo>
-                    <a:pt x="1472481" y="1387619"/>
-                  </a:lnTo>
-                  <a:lnTo>
-                    <a:pt x="1530491" y="1343669"/>
-                  </a:lnTo>
-                  <a:lnTo>
-                    <a:pt x="1588501" y="1299718"/>
-                  </a:lnTo>
-                  <a:lnTo>
-                    <a:pt x="1646511" y="1255768"/>
-                  </a:lnTo>
-                  <a:lnTo>
-                    <a:pt x="1704521" y="1211818"/>
-                  </a:lnTo>
-                  <a:lnTo>
-                    <a:pt x="1762531" y="1167867"/>
-                  </a:lnTo>
-                  <a:lnTo>
-                    <a:pt x="1820541" y="1123917"/>
-                  </a:lnTo>
-                  <a:lnTo>
-                    <a:pt x="1878551" y="1079966"/>
-                  </a:lnTo>
-                  <a:lnTo>
-                    <a:pt x="1936561" y="1036016"/>
-                  </a:lnTo>
-                  <a:lnTo>
-                    <a:pt x="1994570" y="992066"/>
-                  </a:lnTo>
-                  <a:lnTo>
-                    <a:pt x="2052580" y="948115"/>
+                    <a:pt x="1925735" y="822143"/>
+                  </a:lnTo>
+                  <a:lnTo>
+                    <a:pt x="1863803" y="792781"/>
+                  </a:lnTo>
+                  <a:lnTo>
+                    <a:pt x="1801870" y="763419"/>
+                  </a:lnTo>
+                  <a:lnTo>
+                    <a:pt x="1739938" y="734056"/>
+                  </a:lnTo>
+                  <a:lnTo>
+                    <a:pt x="1678005" y="704694"/>
+                  </a:lnTo>
+                  <a:lnTo>
+                    <a:pt x="1616073" y="675332"/>
+                  </a:lnTo>
+                  <a:lnTo>
+                    <a:pt x="1554140" y="645970"/>
+                  </a:lnTo>
+                  <a:lnTo>
+                    <a:pt x="1492208" y="616607"/>
+                  </a:lnTo>
+                  <a:lnTo>
+                    <a:pt x="1430276" y="587245"/>
+                  </a:lnTo>
+                  <a:lnTo>
+                    <a:pt x="1368343" y="557883"/>
+                  </a:lnTo>
+                  <a:lnTo>
+                    <a:pt x="1306411" y="528520"/>
+                  </a:lnTo>
+                  <a:lnTo>
+                    <a:pt x="1244478" y="499158"/>
+                  </a:lnTo>
+                  <a:lnTo>
+                    <a:pt x="1182546" y="469796"/>
+                  </a:lnTo>
+                  <a:lnTo>
+                    <a:pt x="1120613" y="440434"/>
+                  </a:lnTo>
+                  <a:lnTo>
+                    <a:pt x="1058681" y="411071"/>
+                  </a:lnTo>
+                  <a:lnTo>
+                    <a:pt x="996748" y="381709"/>
+                  </a:lnTo>
+                  <a:lnTo>
+                    <a:pt x="934816" y="352347"/>
+                  </a:lnTo>
+                  <a:lnTo>
+                    <a:pt x="872884" y="322985"/>
+                  </a:lnTo>
+                  <a:lnTo>
+                    <a:pt x="810951" y="293622"/>
+                  </a:lnTo>
+                  <a:lnTo>
+                    <a:pt x="749019" y="264260"/>
+                  </a:lnTo>
+                  <a:lnTo>
+                    <a:pt x="687086" y="234898"/>
+                  </a:lnTo>
+                  <a:lnTo>
+                    <a:pt x="625154" y="205535"/>
+                  </a:lnTo>
+                  <a:lnTo>
+                    <a:pt x="563221" y="176173"/>
+                  </a:lnTo>
+                  <a:lnTo>
+                    <a:pt x="501289" y="146811"/>
+                  </a:lnTo>
+                  <a:lnTo>
+                    <a:pt x="439356" y="117449"/>
+                  </a:lnTo>
+                  <a:lnTo>
+                    <a:pt x="377424" y="88086"/>
+                  </a:lnTo>
+                  <a:lnTo>
+                    <a:pt x="315492" y="58724"/>
+                  </a:lnTo>
+                  <a:lnTo>
+                    <a:pt x="253559" y="29362"/>
+                  </a:lnTo>
+                  <a:lnTo>
+                    <a:pt x="191627" y="0"/>
+                  </a:lnTo>
+                  <a:lnTo>
+                    <a:pt x="163643" y="61721"/>
+                  </a:lnTo>
+                  <a:lnTo>
+                    <a:pt x="137779" y="124361"/>
+                  </a:lnTo>
+                  <a:lnTo>
+                    <a:pt x="114066" y="187846"/>
+                  </a:lnTo>
+                  <a:lnTo>
+                    <a:pt x="92531" y="252102"/>
+                  </a:lnTo>
+                  <a:lnTo>
+                    <a:pt x="73199" y="317055"/>
+                  </a:lnTo>
+                  <a:lnTo>
+                    <a:pt x="56093" y="382630"/>
+                  </a:lnTo>
+                  <a:lnTo>
+                    <a:pt x="41232" y="448750"/>
+                  </a:lnTo>
+                  <a:lnTo>
+                    <a:pt x="28633" y="515337"/>
+                  </a:lnTo>
+                  <a:lnTo>
+                    <a:pt x="18312" y="582316"/>
+                  </a:lnTo>
+                  <a:lnTo>
+                    <a:pt x="10280" y="649607"/>
+                  </a:lnTo>
+                  <a:lnTo>
+                    <a:pt x="4546" y="717133"/>
+                  </a:lnTo>
+                  <a:lnTo>
+                    <a:pt x="1118" y="784816"/>
+                  </a:lnTo>
+                  <a:lnTo>
+                    <a:pt x="0" y="852576"/>
+                  </a:lnTo>
+                  <a:lnTo>
+                    <a:pt x="1191" y="920334"/>
+                  </a:lnTo>
+                  <a:lnTo>
+                    <a:pt x="4692" y="988013"/>
+                  </a:lnTo>
+                  <a:lnTo>
+                    <a:pt x="10498" y="1055533"/>
+                  </a:lnTo>
+                  <a:lnTo>
+                    <a:pt x="18603" y="1122815"/>
+                  </a:lnTo>
+                  <a:lnTo>
+                    <a:pt x="28996" y="1189783"/>
+                  </a:lnTo>
+                  <a:lnTo>
+                    <a:pt x="41666" y="1256357"/>
+                  </a:lnTo>
+                  <a:lnTo>
+                    <a:pt x="56599" y="1322460"/>
+                  </a:lnTo>
+                  <a:lnTo>
+                    <a:pt x="73776" y="1388016"/>
+                  </a:lnTo>
+                  <a:lnTo>
+                    <a:pt x="93178" y="1452949"/>
+                  </a:lnTo>
+                  <a:lnTo>
+                    <a:pt x="114782" y="1517182"/>
+                  </a:lnTo>
+                  <a:lnTo>
+                    <a:pt x="138563" y="1580641"/>
+                  </a:lnTo>
+                  <a:lnTo>
+                    <a:pt x="164494" y="1643253"/>
+                  </a:lnTo>
+                  <a:lnTo>
+                    <a:pt x="192544" y="1704945"/>
+                  </a:lnTo>
+                  <a:lnTo>
+                    <a:pt x="222681" y="1765644"/>
+                  </a:lnTo>
+                  <a:lnTo>
+                    <a:pt x="254870" y="1825281"/>
+                  </a:lnTo>
+                  <a:lnTo>
+                    <a:pt x="289073" y="1883786"/>
+                  </a:lnTo>
+                  <a:lnTo>
+                    <a:pt x="325251" y="1941090"/>
+                  </a:lnTo>
+                  <a:lnTo>
+                    <a:pt x="363361" y="1997129"/>
+                  </a:lnTo>
+                  <a:lnTo>
+                    <a:pt x="403359" y="2051835"/>
+                  </a:lnTo>
+                  <a:lnTo>
+                    <a:pt x="457990" y="2010444"/>
+                  </a:lnTo>
+                  <a:lnTo>
+                    <a:pt x="512621" y="1969054"/>
+                  </a:lnTo>
+                  <a:lnTo>
+                    <a:pt x="567253" y="1927663"/>
+                  </a:lnTo>
+                  <a:lnTo>
+                    <a:pt x="621884" y="1886272"/>
+                  </a:lnTo>
+                  <a:lnTo>
+                    <a:pt x="676515" y="1844882"/>
+                  </a:lnTo>
+                  <a:lnTo>
+                    <a:pt x="731147" y="1803491"/>
+                  </a:lnTo>
+                  <a:lnTo>
+                    <a:pt x="785778" y="1762100"/>
+                  </a:lnTo>
+                  <a:lnTo>
+                    <a:pt x="840409" y="1720710"/>
+                  </a:lnTo>
+                  <a:lnTo>
+                    <a:pt x="895041" y="1679319"/>
+                  </a:lnTo>
+                  <a:lnTo>
+                    <a:pt x="949672" y="1637928"/>
+                  </a:lnTo>
+                  <a:lnTo>
+                    <a:pt x="1004303" y="1596538"/>
+                  </a:lnTo>
+                  <a:lnTo>
+                    <a:pt x="1058935" y="1555147"/>
+                  </a:lnTo>
+                  <a:lnTo>
+                    <a:pt x="1113566" y="1513756"/>
+                  </a:lnTo>
+                  <a:lnTo>
+                    <a:pt x="1168197" y="1472366"/>
+                  </a:lnTo>
+                  <a:lnTo>
+                    <a:pt x="1222829" y="1430975"/>
+                  </a:lnTo>
+                  <a:lnTo>
+                    <a:pt x="1277460" y="1389584"/>
+                  </a:lnTo>
+                  <a:lnTo>
+                    <a:pt x="1332091" y="1348194"/>
+                  </a:lnTo>
+                  <a:lnTo>
+                    <a:pt x="1386723" y="1306803"/>
+                  </a:lnTo>
+                  <a:lnTo>
+                    <a:pt x="1441354" y="1265412"/>
+                  </a:lnTo>
+                  <a:lnTo>
+                    <a:pt x="1495985" y="1224022"/>
+                  </a:lnTo>
+                  <a:lnTo>
+                    <a:pt x="1550617" y="1182631"/>
+                  </a:lnTo>
+                  <a:lnTo>
+                    <a:pt x="1605248" y="1141240"/>
+                  </a:lnTo>
+                  <a:lnTo>
+                    <a:pt x="1659879" y="1099850"/>
+                  </a:lnTo>
+                  <a:lnTo>
+                    <a:pt x="1714511" y="1058459"/>
+                  </a:lnTo>
+                  <a:lnTo>
+                    <a:pt x="1769142" y="1017068"/>
+                  </a:lnTo>
+                  <a:lnTo>
+                    <a:pt x="1823773" y="975677"/>
+                  </a:lnTo>
+                  <a:lnTo>
+                    <a:pt x="1878405" y="934287"/>
+                  </a:lnTo>
+                  <a:lnTo>
+                    <a:pt x="1933036" y="892896"/>
                   </a:lnTo>
                   <a:close/>
                 </a:path>
@@ -6191,270 +6245,270 @@
           </p:nvSpPr>
           <p:spPr>
             <a:xfrm>
-              <a:off x="2204538" y="1881014"/>
-              <a:ext cx="1907112" cy="2079864"/>
+              <a:off x="2315610" y="1848494"/>
+              <a:ext cx="1796040" cy="1958731"/>
             </a:xfrm>
             <a:custGeom>
               <a:avLst/>
               <a:pathLst>
-                <a:path w="1907112" h="2079864">
+                <a:path w="1796040" h="1958731">
                   <a:moveTo>
-                    <a:pt x="1907112" y="2079864"/>
+                    <a:pt x="1796040" y="1958731"/>
                   </a:moveTo>
                   <a:lnTo>
-                    <a:pt x="1894739" y="2008144"/>
-                  </a:lnTo>
-                  <a:lnTo>
-                    <a:pt x="1882365" y="1936425"/>
-                  </a:lnTo>
-                  <a:lnTo>
-                    <a:pt x="1869992" y="1864705"/>
-                  </a:lnTo>
-                  <a:lnTo>
-                    <a:pt x="1857618" y="1792986"/>
-                  </a:lnTo>
-                  <a:lnTo>
-                    <a:pt x="1845245" y="1721266"/>
-                  </a:lnTo>
-                  <a:lnTo>
-                    <a:pt x="1832872" y="1649547"/>
-                  </a:lnTo>
-                  <a:lnTo>
-                    <a:pt x="1820498" y="1577828"/>
-                  </a:lnTo>
-                  <a:lnTo>
-                    <a:pt x="1808125" y="1506108"/>
-                  </a:lnTo>
-                  <a:lnTo>
-                    <a:pt x="1795751" y="1434389"/>
-                  </a:lnTo>
-                  <a:lnTo>
-                    <a:pt x="1783378" y="1362669"/>
-                  </a:lnTo>
-                  <a:lnTo>
-                    <a:pt x="1771004" y="1290950"/>
-                  </a:lnTo>
-                  <a:lnTo>
-                    <a:pt x="1758631" y="1219230"/>
-                  </a:lnTo>
-                  <a:lnTo>
-                    <a:pt x="1746257" y="1147511"/>
-                  </a:lnTo>
-                  <a:lnTo>
-                    <a:pt x="1733884" y="1075791"/>
-                  </a:lnTo>
-                  <a:lnTo>
-                    <a:pt x="1721510" y="1004072"/>
-                  </a:lnTo>
-                  <a:lnTo>
-                    <a:pt x="1709137" y="932352"/>
-                  </a:lnTo>
-                  <a:lnTo>
-                    <a:pt x="1696763" y="860633"/>
-                  </a:lnTo>
-                  <a:lnTo>
-                    <a:pt x="1684390" y="788914"/>
-                  </a:lnTo>
-                  <a:lnTo>
-                    <a:pt x="1672016" y="717194"/>
-                  </a:lnTo>
-                  <a:lnTo>
-                    <a:pt x="1659643" y="645475"/>
-                  </a:lnTo>
-                  <a:lnTo>
-                    <a:pt x="1647269" y="573755"/>
-                  </a:lnTo>
-                  <a:lnTo>
-                    <a:pt x="1634896" y="502036"/>
-                  </a:lnTo>
-                  <a:lnTo>
-                    <a:pt x="1622523" y="430316"/>
-                  </a:lnTo>
-                  <a:lnTo>
-                    <a:pt x="1610149" y="358597"/>
-                  </a:lnTo>
-                  <a:lnTo>
-                    <a:pt x="1597776" y="286877"/>
-                  </a:lnTo>
-                  <a:lnTo>
-                    <a:pt x="1585402" y="215158"/>
-                  </a:lnTo>
-                  <a:lnTo>
-                    <a:pt x="1573029" y="143438"/>
-                  </a:lnTo>
-                  <a:lnTo>
-                    <a:pt x="1560655" y="71719"/>
-                  </a:lnTo>
-                  <a:lnTo>
-                    <a:pt x="1548282" y="0"/>
-                  </a:lnTo>
-                  <a:lnTo>
-                    <a:pt x="1477401" y="13480"/>
-                  </a:lnTo>
-                  <a:lnTo>
-                    <a:pt x="1407022" y="29375"/>
-                  </a:lnTo>
-                  <a:lnTo>
-                    <a:pt x="1337228" y="47666"/>
-                  </a:lnTo>
-                  <a:lnTo>
-                    <a:pt x="1268100" y="68333"/>
-                  </a:lnTo>
-                  <a:lnTo>
-                    <a:pt x="1199718" y="91350"/>
-                  </a:lnTo>
-                  <a:lnTo>
-                    <a:pt x="1132163" y="116691"/>
-                  </a:lnTo>
-                  <a:lnTo>
-                    <a:pt x="1065514" y="144326"/>
-                  </a:lnTo>
-                  <a:lnTo>
-                    <a:pt x="999848" y="174223"/>
-                  </a:lnTo>
-                  <a:lnTo>
-                    <a:pt x="935243" y="206347"/>
-                  </a:lnTo>
-                  <a:lnTo>
-                    <a:pt x="871773" y="240661"/>
-                  </a:lnTo>
-                  <a:lnTo>
-                    <a:pt x="809514" y="277124"/>
-                  </a:lnTo>
-                  <a:lnTo>
-                    <a:pt x="748537" y="315693"/>
-                  </a:lnTo>
-                  <a:lnTo>
-                    <a:pt x="688914" y="356325"/>
-                  </a:lnTo>
-                  <a:lnTo>
-                    <a:pt x="630714" y="398970"/>
-                  </a:lnTo>
-                  <a:lnTo>
-                    <a:pt x="574007" y="443580"/>
-                  </a:lnTo>
-                  <a:lnTo>
-                    <a:pt x="518857" y="490102"/>
-                  </a:lnTo>
-                  <a:lnTo>
-                    <a:pt x="465329" y="538482"/>
-                  </a:lnTo>
-                  <a:lnTo>
-                    <a:pt x="413487" y="588664"/>
-                  </a:lnTo>
-                  <a:lnTo>
-                    <a:pt x="363390" y="640588"/>
-                  </a:lnTo>
-                  <a:lnTo>
-                    <a:pt x="315097" y="694194"/>
-                  </a:lnTo>
-                  <a:lnTo>
-                    <a:pt x="268664" y="749419"/>
-                  </a:lnTo>
-                  <a:lnTo>
-                    <a:pt x="224147" y="806199"/>
-                  </a:lnTo>
-                  <a:lnTo>
-                    <a:pt x="181596" y="864468"/>
-                  </a:lnTo>
-                  <a:lnTo>
-                    <a:pt x="141061" y="924157"/>
-                  </a:lnTo>
-                  <a:lnTo>
-                    <a:pt x="102591" y="985197"/>
-                  </a:lnTo>
-                  <a:lnTo>
-                    <a:pt x="66229" y="1047515"/>
-                  </a:lnTo>
-                  <a:lnTo>
-                    <a:pt x="32019" y="1111041"/>
-                  </a:lnTo>
-                  <a:lnTo>
-                    <a:pt x="0" y="1175698"/>
-                  </a:lnTo>
-                  <a:lnTo>
-                    <a:pt x="65762" y="1206876"/>
-                  </a:lnTo>
-                  <a:lnTo>
-                    <a:pt x="131525" y="1238055"/>
-                  </a:lnTo>
-                  <a:lnTo>
-                    <a:pt x="197287" y="1269233"/>
-                  </a:lnTo>
-                  <a:lnTo>
-                    <a:pt x="263050" y="1300411"/>
-                  </a:lnTo>
-                  <a:lnTo>
-                    <a:pt x="328812" y="1331589"/>
-                  </a:lnTo>
-                  <a:lnTo>
-                    <a:pt x="394575" y="1362767"/>
-                  </a:lnTo>
-                  <a:lnTo>
-                    <a:pt x="460337" y="1393945"/>
-                  </a:lnTo>
-                  <a:lnTo>
-                    <a:pt x="526100" y="1425123"/>
-                  </a:lnTo>
-                  <a:lnTo>
-                    <a:pt x="591862" y="1456301"/>
-                  </a:lnTo>
-                  <a:lnTo>
-                    <a:pt x="657625" y="1487479"/>
-                  </a:lnTo>
-                  <a:lnTo>
-                    <a:pt x="723387" y="1518658"/>
-                  </a:lnTo>
-                  <a:lnTo>
-                    <a:pt x="789150" y="1549836"/>
-                  </a:lnTo>
-                  <a:lnTo>
-                    <a:pt x="854912" y="1581014"/>
-                  </a:lnTo>
-                  <a:lnTo>
-                    <a:pt x="920675" y="1612192"/>
-                  </a:lnTo>
-                  <a:lnTo>
-                    <a:pt x="986437" y="1643370"/>
-                  </a:lnTo>
-                  <a:lnTo>
-                    <a:pt x="1052200" y="1674548"/>
-                  </a:lnTo>
-                  <a:lnTo>
-                    <a:pt x="1117962" y="1705726"/>
-                  </a:lnTo>
-                  <a:lnTo>
-                    <a:pt x="1183725" y="1736904"/>
-                  </a:lnTo>
-                  <a:lnTo>
-                    <a:pt x="1249487" y="1768083"/>
-                  </a:lnTo>
-                  <a:lnTo>
-                    <a:pt x="1315250" y="1799261"/>
-                  </a:lnTo>
-                  <a:lnTo>
-                    <a:pt x="1381012" y="1830439"/>
-                  </a:lnTo>
-                  <a:lnTo>
-                    <a:pt x="1446775" y="1861617"/>
-                  </a:lnTo>
-                  <a:lnTo>
-                    <a:pt x="1512537" y="1892795"/>
-                  </a:lnTo>
-                  <a:lnTo>
-                    <a:pt x="1578300" y="1923973"/>
-                  </a:lnTo>
-                  <a:lnTo>
-                    <a:pt x="1644062" y="1955151"/>
-                  </a:lnTo>
-                  <a:lnTo>
-                    <a:pt x="1709825" y="1986329"/>
-                  </a:lnTo>
-                  <a:lnTo>
-                    <a:pt x="1775587" y="2017507"/>
-                  </a:lnTo>
-                  <a:lnTo>
-                    <a:pt x="1841350" y="2048686"/>
+                    <a:pt x="1784388" y="1891188"/>
+                  </a:lnTo>
+                  <a:lnTo>
+                    <a:pt x="1772735" y="1823646"/>
+                  </a:lnTo>
+                  <a:lnTo>
+                    <a:pt x="1761082" y="1756103"/>
+                  </a:lnTo>
+                  <a:lnTo>
+                    <a:pt x="1749429" y="1688561"/>
+                  </a:lnTo>
+                  <a:lnTo>
+                    <a:pt x="1737776" y="1621018"/>
+                  </a:lnTo>
+                  <a:lnTo>
+                    <a:pt x="1726123" y="1553476"/>
+                  </a:lnTo>
+                  <a:lnTo>
+                    <a:pt x="1714471" y="1485933"/>
+                  </a:lnTo>
+                  <a:lnTo>
+                    <a:pt x="1702818" y="1418391"/>
+                  </a:lnTo>
+                  <a:lnTo>
+                    <a:pt x="1691165" y="1350848"/>
+                  </a:lnTo>
+                  <a:lnTo>
+                    <a:pt x="1679512" y="1283306"/>
+                  </a:lnTo>
+                  <a:lnTo>
+                    <a:pt x="1667859" y="1215764"/>
+                  </a:lnTo>
+                  <a:lnTo>
+                    <a:pt x="1656206" y="1148221"/>
+                  </a:lnTo>
+                  <a:lnTo>
+                    <a:pt x="1644554" y="1080679"/>
+                  </a:lnTo>
+                  <a:lnTo>
+                    <a:pt x="1632901" y="1013136"/>
+                  </a:lnTo>
+                  <a:lnTo>
+                    <a:pt x="1621248" y="945594"/>
+                  </a:lnTo>
+                  <a:lnTo>
+                    <a:pt x="1609595" y="878051"/>
+                  </a:lnTo>
+                  <a:lnTo>
+                    <a:pt x="1597942" y="810509"/>
+                  </a:lnTo>
+                  <a:lnTo>
+                    <a:pt x="1586289" y="742966"/>
+                  </a:lnTo>
+                  <a:lnTo>
+                    <a:pt x="1574637" y="675424"/>
+                  </a:lnTo>
+                  <a:lnTo>
+                    <a:pt x="1562984" y="607882"/>
+                  </a:lnTo>
+                  <a:lnTo>
+                    <a:pt x="1551331" y="540339"/>
+                  </a:lnTo>
+                  <a:lnTo>
+                    <a:pt x="1539678" y="472797"/>
+                  </a:lnTo>
+                  <a:lnTo>
+                    <a:pt x="1528025" y="405254"/>
+                  </a:lnTo>
+                  <a:lnTo>
+                    <a:pt x="1516372" y="337712"/>
+                  </a:lnTo>
+                  <a:lnTo>
+                    <a:pt x="1504720" y="270169"/>
+                  </a:lnTo>
+                  <a:lnTo>
+                    <a:pt x="1493067" y="202627"/>
+                  </a:lnTo>
+                  <a:lnTo>
+                    <a:pt x="1481414" y="135084"/>
+                  </a:lnTo>
+                  <a:lnTo>
+                    <a:pt x="1469761" y="67542"/>
+                  </a:lnTo>
+                  <a:lnTo>
+                    <a:pt x="1458108" y="0"/>
+                  </a:lnTo>
+                  <a:lnTo>
+                    <a:pt x="1391356" y="12695"/>
+                  </a:lnTo>
+                  <a:lnTo>
+                    <a:pt x="1325076" y="27664"/>
+                  </a:lnTo>
+                  <a:lnTo>
+                    <a:pt x="1259346" y="44890"/>
+                  </a:lnTo>
+                  <a:lnTo>
+                    <a:pt x="1194244" y="64353"/>
+                  </a:lnTo>
+                  <a:lnTo>
+                    <a:pt x="1129845" y="86029"/>
+                  </a:lnTo>
+                  <a:lnTo>
+                    <a:pt x="1066225" y="109894"/>
+                  </a:lnTo>
+                  <a:lnTo>
+                    <a:pt x="1003458" y="135920"/>
+                  </a:lnTo>
+                  <a:lnTo>
+                    <a:pt x="941616" y="164076"/>
+                  </a:lnTo>
+                  <a:lnTo>
+                    <a:pt x="880774" y="194329"/>
+                  </a:lnTo>
+                  <a:lnTo>
+                    <a:pt x="821001" y="226644"/>
+                  </a:lnTo>
+                  <a:lnTo>
+                    <a:pt x="762367" y="260984"/>
+                  </a:lnTo>
+                  <a:lnTo>
+                    <a:pt x="704941" y="297307"/>
+                  </a:lnTo>
+                  <a:lnTo>
+                    <a:pt x="648791" y="335572"/>
+                  </a:lnTo>
+                  <a:lnTo>
+                    <a:pt x="593981" y="375734"/>
+                  </a:lnTo>
+                  <a:lnTo>
+                    <a:pt x="540576" y="417746"/>
+                  </a:lnTo>
+                  <a:lnTo>
+                    <a:pt x="488638" y="461558"/>
+                  </a:lnTo>
+                  <a:lnTo>
+                    <a:pt x="438228" y="507121"/>
+                  </a:lnTo>
+                  <a:lnTo>
+                    <a:pt x="389405" y="554379"/>
+                  </a:lnTo>
+                  <a:lnTo>
+                    <a:pt x="342226" y="603279"/>
+                  </a:lnTo>
+                  <a:lnTo>
+                    <a:pt x="296745" y="653763"/>
+                  </a:lnTo>
+                  <a:lnTo>
+                    <a:pt x="253017" y="705772"/>
+                  </a:lnTo>
+                  <a:lnTo>
+                    <a:pt x="211092" y="759246"/>
+                  </a:lnTo>
+                  <a:lnTo>
+                    <a:pt x="171019" y="814121"/>
+                  </a:lnTo>
+                  <a:lnTo>
+                    <a:pt x="132846" y="870333"/>
+                  </a:lnTo>
+                  <a:lnTo>
+                    <a:pt x="96616" y="927818"/>
+                  </a:lnTo>
+                  <a:lnTo>
+                    <a:pt x="62372" y="986507"/>
+                  </a:lnTo>
+                  <a:lnTo>
+                    <a:pt x="30154" y="1046333"/>
+                  </a:lnTo>
+                  <a:lnTo>
+                    <a:pt x="0" y="1107225"/>
+                  </a:lnTo>
+                  <a:lnTo>
+                    <a:pt x="61932" y="1136587"/>
+                  </a:lnTo>
+                  <a:lnTo>
+                    <a:pt x="123864" y="1165949"/>
+                  </a:lnTo>
+                  <a:lnTo>
+                    <a:pt x="185797" y="1195311"/>
+                  </a:lnTo>
+                  <a:lnTo>
+                    <a:pt x="247729" y="1224674"/>
+                  </a:lnTo>
+                  <a:lnTo>
+                    <a:pt x="309662" y="1254036"/>
+                  </a:lnTo>
+                  <a:lnTo>
+                    <a:pt x="371594" y="1283398"/>
+                  </a:lnTo>
+                  <a:lnTo>
+                    <a:pt x="433527" y="1312760"/>
+                  </a:lnTo>
+                  <a:lnTo>
+                    <a:pt x="495459" y="1342123"/>
+                  </a:lnTo>
+                  <a:lnTo>
+                    <a:pt x="557391" y="1371485"/>
+                  </a:lnTo>
+                  <a:lnTo>
+                    <a:pt x="619324" y="1400847"/>
+                  </a:lnTo>
+                  <a:lnTo>
+                    <a:pt x="681256" y="1430210"/>
+                  </a:lnTo>
+                  <a:lnTo>
+                    <a:pt x="743189" y="1459572"/>
+                  </a:lnTo>
+                  <a:lnTo>
+                    <a:pt x="805121" y="1488934"/>
+                  </a:lnTo>
+                  <a:lnTo>
+                    <a:pt x="867054" y="1518296"/>
+                  </a:lnTo>
+                  <a:lnTo>
+                    <a:pt x="928986" y="1547659"/>
+                  </a:lnTo>
+                  <a:lnTo>
+                    <a:pt x="990919" y="1577021"/>
+                  </a:lnTo>
+                  <a:lnTo>
+                    <a:pt x="1052851" y="1606383"/>
+                  </a:lnTo>
+                  <a:lnTo>
+                    <a:pt x="1114783" y="1635745"/>
+                  </a:lnTo>
+                  <a:lnTo>
+                    <a:pt x="1176716" y="1665108"/>
+                  </a:lnTo>
+                  <a:lnTo>
+                    <a:pt x="1238648" y="1694470"/>
+                  </a:lnTo>
+                  <a:lnTo>
+                    <a:pt x="1300581" y="1723832"/>
+                  </a:lnTo>
+                  <a:lnTo>
+                    <a:pt x="1362513" y="1753195"/>
+                  </a:lnTo>
+                  <a:lnTo>
+                    <a:pt x="1424446" y="1782557"/>
+                  </a:lnTo>
+                  <a:lnTo>
+                    <a:pt x="1486378" y="1811919"/>
+                  </a:lnTo>
+                  <a:lnTo>
+                    <a:pt x="1548311" y="1841281"/>
+                  </a:lnTo>
+                  <a:lnTo>
+                    <a:pt x="1610243" y="1870644"/>
+                  </a:lnTo>
+                  <a:lnTo>
+                    <a:pt x="1672175" y="1900006"/>
+                  </a:lnTo>
+                  <a:lnTo>
+                    <a:pt x="1734108" y="1929368"/>
                   </a:lnTo>
                   <a:close/>
                 </a:path>
@@ -6489,195 +6543,195 @@
           </p:nvSpPr>
           <p:spPr>
             <a:xfrm>
-              <a:off x="3752820" y="1851802"/>
-              <a:ext cx="358830" cy="2109075"/>
+              <a:off x="3773719" y="1820983"/>
+              <a:ext cx="337932" cy="1986241"/>
             </a:xfrm>
             <a:custGeom>
               <a:avLst/>
               <a:pathLst>
-                <a:path w="358830" h="2109075">
+                <a:path w="337932" h="1986241">
                   <a:moveTo>
-                    <a:pt x="358830" y="2109075"/>
+                    <a:pt x="337932" y="1986241"/>
                   </a:moveTo>
                   <a:lnTo>
-                    <a:pt x="356073" y="2036349"/>
-                  </a:lnTo>
-                  <a:lnTo>
-                    <a:pt x="353316" y="1963622"/>
-                  </a:lnTo>
-                  <a:lnTo>
-                    <a:pt x="350559" y="1890895"/>
-                  </a:lnTo>
-                  <a:lnTo>
-                    <a:pt x="347802" y="1818168"/>
-                  </a:lnTo>
-                  <a:lnTo>
-                    <a:pt x="345045" y="1745442"/>
-                  </a:lnTo>
-                  <a:lnTo>
-                    <a:pt x="342287" y="1672715"/>
-                  </a:lnTo>
-                  <a:lnTo>
-                    <a:pt x="339530" y="1599988"/>
-                  </a:lnTo>
-                  <a:lnTo>
-                    <a:pt x="336773" y="1527261"/>
-                  </a:lnTo>
-                  <a:lnTo>
-                    <a:pt x="334016" y="1454535"/>
-                  </a:lnTo>
-                  <a:lnTo>
-                    <a:pt x="331259" y="1381808"/>
-                  </a:lnTo>
-                  <a:lnTo>
-                    <a:pt x="328502" y="1309081"/>
-                  </a:lnTo>
-                  <a:lnTo>
-                    <a:pt x="325745" y="1236354"/>
-                  </a:lnTo>
-                  <a:lnTo>
-                    <a:pt x="322987" y="1163628"/>
-                  </a:lnTo>
-                  <a:lnTo>
-                    <a:pt x="320230" y="1090901"/>
-                  </a:lnTo>
-                  <a:lnTo>
-                    <a:pt x="317473" y="1018174"/>
-                  </a:lnTo>
-                  <a:lnTo>
-                    <a:pt x="314716" y="945447"/>
-                  </a:lnTo>
-                  <a:lnTo>
-                    <a:pt x="311959" y="872721"/>
-                  </a:lnTo>
-                  <a:lnTo>
-                    <a:pt x="309202" y="799994"/>
-                  </a:lnTo>
-                  <a:lnTo>
-                    <a:pt x="306445" y="727267"/>
-                  </a:lnTo>
-                  <a:lnTo>
-                    <a:pt x="303688" y="654540"/>
-                  </a:lnTo>
-                  <a:lnTo>
-                    <a:pt x="300930" y="581814"/>
-                  </a:lnTo>
-                  <a:lnTo>
-                    <a:pt x="298173" y="509087"/>
-                  </a:lnTo>
-                  <a:lnTo>
-                    <a:pt x="295416" y="436360"/>
-                  </a:lnTo>
-                  <a:lnTo>
-                    <a:pt x="292659" y="363633"/>
-                  </a:lnTo>
-                  <a:lnTo>
-                    <a:pt x="289902" y="290907"/>
-                  </a:lnTo>
-                  <a:lnTo>
-                    <a:pt x="287145" y="218180"/>
-                  </a:lnTo>
-                  <a:lnTo>
-                    <a:pt x="284388" y="145453"/>
-                  </a:lnTo>
-                  <a:lnTo>
-                    <a:pt x="281631" y="72726"/>
-                  </a:lnTo>
-                  <a:lnTo>
-                    <a:pt x="278873" y="0"/>
-                  </a:lnTo>
-                  <a:lnTo>
-                    <a:pt x="185514" y="5613"/>
-                  </a:lnTo>
-                  <a:lnTo>
-                    <a:pt x="92495" y="15356"/>
-                  </a:lnTo>
-                  <a:lnTo>
-                    <a:pt x="0" y="29211"/>
-                  </a:lnTo>
-                  <a:lnTo>
-                    <a:pt x="12373" y="100931"/>
-                  </a:lnTo>
-                  <a:lnTo>
-                    <a:pt x="24746" y="172650"/>
-                  </a:lnTo>
-                  <a:lnTo>
-                    <a:pt x="37120" y="244370"/>
-                  </a:lnTo>
-                  <a:lnTo>
-                    <a:pt x="49493" y="316089"/>
-                  </a:lnTo>
-                  <a:lnTo>
-                    <a:pt x="61867" y="387809"/>
-                  </a:lnTo>
-                  <a:lnTo>
-                    <a:pt x="74240" y="459528"/>
-                  </a:lnTo>
-                  <a:lnTo>
-                    <a:pt x="86614" y="531247"/>
-                  </a:lnTo>
-                  <a:lnTo>
-                    <a:pt x="98987" y="602967"/>
-                  </a:lnTo>
-                  <a:lnTo>
-                    <a:pt x="111361" y="674686"/>
-                  </a:lnTo>
-                  <a:lnTo>
-                    <a:pt x="123734" y="746406"/>
-                  </a:lnTo>
-                  <a:lnTo>
-                    <a:pt x="136108" y="818125"/>
-                  </a:lnTo>
-                  <a:lnTo>
-                    <a:pt x="148481" y="889845"/>
-                  </a:lnTo>
-                  <a:lnTo>
-                    <a:pt x="160855" y="961564"/>
-                  </a:lnTo>
-                  <a:lnTo>
-                    <a:pt x="173228" y="1033284"/>
-                  </a:lnTo>
-                  <a:lnTo>
-                    <a:pt x="185602" y="1105003"/>
-                  </a:lnTo>
-                  <a:lnTo>
-                    <a:pt x="197975" y="1176723"/>
-                  </a:lnTo>
-                  <a:lnTo>
-                    <a:pt x="210349" y="1248442"/>
-                  </a:lnTo>
-                  <a:lnTo>
-                    <a:pt x="222722" y="1320161"/>
-                  </a:lnTo>
-                  <a:lnTo>
-                    <a:pt x="235095" y="1391881"/>
-                  </a:lnTo>
-                  <a:lnTo>
-                    <a:pt x="247469" y="1463600"/>
-                  </a:lnTo>
-                  <a:lnTo>
-                    <a:pt x="259842" y="1535320"/>
-                  </a:lnTo>
-                  <a:lnTo>
-                    <a:pt x="272216" y="1607039"/>
-                  </a:lnTo>
-                  <a:lnTo>
-                    <a:pt x="284589" y="1678759"/>
-                  </a:lnTo>
-                  <a:lnTo>
-                    <a:pt x="296963" y="1750478"/>
-                  </a:lnTo>
-                  <a:lnTo>
-                    <a:pt x="309336" y="1822198"/>
-                  </a:lnTo>
-                  <a:lnTo>
-                    <a:pt x="321710" y="1893917"/>
-                  </a:lnTo>
-                  <a:lnTo>
-                    <a:pt x="334083" y="1965637"/>
-                  </a:lnTo>
-                  <a:lnTo>
-                    <a:pt x="346457" y="2037356"/>
+                    <a:pt x="335335" y="1917750"/>
+                  </a:lnTo>
+                  <a:lnTo>
+                    <a:pt x="332738" y="1849259"/>
+                  </a:lnTo>
+                  <a:lnTo>
+                    <a:pt x="330142" y="1780768"/>
+                  </a:lnTo>
+                  <a:lnTo>
+                    <a:pt x="327545" y="1712277"/>
+                  </a:lnTo>
+                  <a:lnTo>
+                    <a:pt x="324949" y="1643786"/>
+                  </a:lnTo>
+                  <a:lnTo>
+                    <a:pt x="322352" y="1575294"/>
+                  </a:lnTo>
+                  <a:lnTo>
+                    <a:pt x="319756" y="1506803"/>
+                  </a:lnTo>
+                  <a:lnTo>
+                    <a:pt x="317159" y="1438312"/>
+                  </a:lnTo>
+                  <a:lnTo>
+                    <a:pt x="314563" y="1369821"/>
+                  </a:lnTo>
+                  <a:lnTo>
+                    <a:pt x="311966" y="1301330"/>
+                  </a:lnTo>
+                  <a:lnTo>
+                    <a:pt x="309369" y="1232839"/>
+                  </a:lnTo>
+                  <a:lnTo>
+                    <a:pt x="306773" y="1164348"/>
+                  </a:lnTo>
+                  <a:lnTo>
+                    <a:pt x="304176" y="1095857"/>
+                  </a:lnTo>
+                  <a:lnTo>
+                    <a:pt x="301580" y="1027366"/>
+                  </a:lnTo>
+                  <a:lnTo>
+                    <a:pt x="298983" y="958875"/>
+                  </a:lnTo>
+                  <a:lnTo>
+                    <a:pt x="296387" y="890384"/>
+                  </a:lnTo>
+                  <a:lnTo>
+                    <a:pt x="293790" y="821893"/>
+                  </a:lnTo>
+                  <a:lnTo>
+                    <a:pt x="291194" y="753401"/>
+                  </a:lnTo>
+                  <a:lnTo>
+                    <a:pt x="288597" y="684910"/>
+                  </a:lnTo>
+                  <a:lnTo>
+                    <a:pt x="286000" y="616419"/>
+                  </a:lnTo>
+                  <a:lnTo>
+                    <a:pt x="283404" y="547928"/>
+                  </a:lnTo>
+                  <a:lnTo>
+                    <a:pt x="280807" y="479437"/>
+                  </a:lnTo>
+                  <a:lnTo>
+                    <a:pt x="278211" y="410946"/>
+                  </a:lnTo>
+                  <a:lnTo>
+                    <a:pt x="275614" y="342455"/>
+                  </a:lnTo>
+                  <a:lnTo>
+                    <a:pt x="273018" y="273964"/>
+                  </a:lnTo>
+                  <a:lnTo>
+                    <a:pt x="270421" y="205473"/>
+                  </a:lnTo>
+                  <a:lnTo>
+                    <a:pt x="267825" y="136982"/>
+                  </a:lnTo>
+                  <a:lnTo>
+                    <a:pt x="265228" y="68491"/>
+                  </a:lnTo>
+                  <a:lnTo>
+                    <a:pt x="262632" y="0"/>
+                  </a:lnTo>
+                  <a:lnTo>
+                    <a:pt x="174710" y="5286"/>
+                  </a:lnTo>
+                  <a:lnTo>
+                    <a:pt x="87108" y="14462"/>
+                  </a:lnTo>
+                  <a:lnTo>
+                    <a:pt x="0" y="27510"/>
+                  </a:lnTo>
+                  <a:lnTo>
+                    <a:pt x="11652" y="95052"/>
+                  </a:lnTo>
+                  <a:lnTo>
+                    <a:pt x="23305" y="162595"/>
+                  </a:lnTo>
+                  <a:lnTo>
+                    <a:pt x="34958" y="230137"/>
+                  </a:lnTo>
+                  <a:lnTo>
+                    <a:pt x="46611" y="297680"/>
+                  </a:lnTo>
+                  <a:lnTo>
+                    <a:pt x="58264" y="365222"/>
+                  </a:lnTo>
+                  <a:lnTo>
+                    <a:pt x="69916" y="432765"/>
+                  </a:lnTo>
+                  <a:lnTo>
+                    <a:pt x="81569" y="500307"/>
+                  </a:lnTo>
+                  <a:lnTo>
+                    <a:pt x="93222" y="567850"/>
+                  </a:lnTo>
+                  <a:lnTo>
+                    <a:pt x="104875" y="635392"/>
+                  </a:lnTo>
+                  <a:lnTo>
+                    <a:pt x="116528" y="702934"/>
+                  </a:lnTo>
+                  <a:lnTo>
+                    <a:pt x="128181" y="770477"/>
+                  </a:lnTo>
+                  <a:lnTo>
+                    <a:pt x="139833" y="838019"/>
+                  </a:lnTo>
+                  <a:lnTo>
+                    <a:pt x="151486" y="905562"/>
+                  </a:lnTo>
+                  <a:lnTo>
+                    <a:pt x="163139" y="973104"/>
+                  </a:lnTo>
+                  <a:lnTo>
+                    <a:pt x="174792" y="1040647"/>
+                  </a:lnTo>
+                  <a:lnTo>
+                    <a:pt x="186445" y="1108189"/>
+                  </a:lnTo>
+                  <a:lnTo>
+                    <a:pt x="198098" y="1175732"/>
+                  </a:lnTo>
+                  <a:lnTo>
+                    <a:pt x="209750" y="1243274"/>
+                  </a:lnTo>
+                  <a:lnTo>
+                    <a:pt x="221403" y="1310816"/>
+                  </a:lnTo>
+                  <a:lnTo>
+                    <a:pt x="233056" y="1378359"/>
+                  </a:lnTo>
+                  <a:lnTo>
+                    <a:pt x="244709" y="1445901"/>
+                  </a:lnTo>
+                  <a:lnTo>
+                    <a:pt x="256362" y="1513444"/>
+                  </a:lnTo>
+                  <a:lnTo>
+                    <a:pt x="268015" y="1580986"/>
+                  </a:lnTo>
+                  <a:lnTo>
+                    <a:pt x="279667" y="1648529"/>
+                  </a:lnTo>
+                  <a:lnTo>
+                    <a:pt x="291320" y="1716071"/>
+                  </a:lnTo>
+                  <a:lnTo>
+                    <a:pt x="302973" y="1783614"/>
+                  </a:lnTo>
+                  <a:lnTo>
+                    <a:pt x="314626" y="1851156"/>
+                  </a:lnTo>
+                  <a:lnTo>
+                    <a:pt x="326279" y="1918699"/>
                   </a:lnTo>
                   <a:close/>
                 </a:path>
@@ -6712,189 +6766,189 @@
           </p:nvSpPr>
           <p:spPr>
             <a:xfrm>
-              <a:off x="4031694" y="1850287"/>
-              <a:ext cx="79956" cy="2110591"/>
+              <a:off x="4036351" y="1819557"/>
+              <a:ext cx="75300" cy="1987668"/>
             </a:xfrm>
             <a:custGeom>
               <a:avLst/>
               <a:pathLst>
-                <a:path w="79956" h="2110591">
+                <a:path w="75300" h="1987668">
                   <a:moveTo>
-                    <a:pt x="79956" y="2110591"/>
+                    <a:pt x="75300" y="1987668"/>
                   </a:moveTo>
                   <a:lnTo>
-                    <a:pt x="79956" y="2037812"/>
-                  </a:lnTo>
-                  <a:lnTo>
-                    <a:pt x="79956" y="1965033"/>
-                  </a:lnTo>
-                  <a:lnTo>
-                    <a:pt x="79956" y="1892254"/>
-                  </a:lnTo>
-                  <a:lnTo>
-                    <a:pt x="79956" y="1819475"/>
-                  </a:lnTo>
-                  <a:lnTo>
-                    <a:pt x="79956" y="1746696"/>
-                  </a:lnTo>
-                  <a:lnTo>
-                    <a:pt x="79956" y="1673917"/>
-                  </a:lnTo>
-                  <a:lnTo>
-                    <a:pt x="79956" y="1601138"/>
-                  </a:lnTo>
-                  <a:lnTo>
-                    <a:pt x="79956" y="1528359"/>
-                  </a:lnTo>
-                  <a:lnTo>
-                    <a:pt x="79956" y="1455580"/>
-                  </a:lnTo>
-                  <a:lnTo>
-                    <a:pt x="79956" y="1382801"/>
-                  </a:lnTo>
-                  <a:lnTo>
-                    <a:pt x="79956" y="1310022"/>
-                  </a:lnTo>
-                  <a:lnTo>
-                    <a:pt x="79956" y="1237243"/>
-                  </a:lnTo>
-                  <a:lnTo>
-                    <a:pt x="79956" y="1164464"/>
-                  </a:lnTo>
-                  <a:lnTo>
-                    <a:pt x="79956" y="1091685"/>
-                  </a:lnTo>
-                  <a:lnTo>
-                    <a:pt x="79956" y="1018906"/>
-                  </a:lnTo>
-                  <a:lnTo>
-                    <a:pt x="79956" y="946127"/>
-                  </a:lnTo>
-                  <a:lnTo>
-                    <a:pt x="79956" y="873348"/>
-                  </a:lnTo>
-                  <a:lnTo>
-                    <a:pt x="79956" y="800569"/>
-                  </a:lnTo>
-                  <a:lnTo>
-                    <a:pt x="79956" y="727790"/>
-                  </a:lnTo>
-                  <a:lnTo>
-                    <a:pt x="79956" y="655011"/>
-                  </a:lnTo>
-                  <a:lnTo>
-                    <a:pt x="79956" y="582232"/>
-                  </a:lnTo>
-                  <a:lnTo>
-                    <a:pt x="79956" y="509453"/>
-                  </a:lnTo>
-                  <a:lnTo>
-                    <a:pt x="79956" y="436674"/>
-                  </a:lnTo>
-                  <a:lnTo>
-                    <a:pt x="79956" y="363895"/>
-                  </a:lnTo>
-                  <a:lnTo>
-                    <a:pt x="79956" y="291116"/>
-                  </a:lnTo>
-                  <a:lnTo>
-                    <a:pt x="79956" y="218337"/>
-                  </a:lnTo>
-                  <a:lnTo>
-                    <a:pt x="79956" y="145558"/>
-                  </a:lnTo>
-                  <a:lnTo>
-                    <a:pt x="79956" y="72779"/>
-                  </a:lnTo>
-                  <a:lnTo>
-                    <a:pt x="79956" y="0"/>
-                  </a:lnTo>
-                  <a:lnTo>
-                    <a:pt x="0" y="1515"/>
-                  </a:lnTo>
-                  <a:lnTo>
-                    <a:pt x="2757" y="74241"/>
-                  </a:lnTo>
-                  <a:lnTo>
-                    <a:pt x="5514" y="146968"/>
-                  </a:lnTo>
-                  <a:lnTo>
-                    <a:pt x="8271" y="219695"/>
-                  </a:lnTo>
-                  <a:lnTo>
-                    <a:pt x="11028" y="292422"/>
-                  </a:lnTo>
-                  <a:lnTo>
-                    <a:pt x="13785" y="365148"/>
-                  </a:lnTo>
-                  <a:lnTo>
-                    <a:pt x="16542" y="437875"/>
-                  </a:lnTo>
-                  <a:lnTo>
-                    <a:pt x="19299" y="510602"/>
-                  </a:lnTo>
-                  <a:lnTo>
-                    <a:pt x="22057" y="583329"/>
-                  </a:lnTo>
-                  <a:lnTo>
-                    <a:pt x="24814" y="656055"/>
-                  </a:lnTo>
-                  <a:lnTo>
-                    <a:pt x="27571" y="728782"/>
-                  </a:lnTo>
-                  <a:lnTo>
-                    <a:pt x="30328" y="801509"/>
-                  </a:lnTo>
-                  <a:lnTo>
-                    <a:pt x="33085" y="874236"/>
-                  </a:lnTo>
-                  <a:lnTo>
-                    <a:pt x="35842" y="946962"/>
-                  </a:lnTo>
-                  <a:lnTo>
-                    <a:pt x="38599" y="1019689"/>
-                  </a:lnTo>
-                  <a:lnTo>
-                    <a:pt x="41356" y="1092416"/>
-                  </a:lnTo>
-                  <a:lnTo>
-                    <a:pt x="44114" y="1165143"/>
-                  </a:lnTo>
-                  <a:lnTo>
-                    <a:pt x="46871" y="1237869"/>
-                  </a:lnTo>
-                  <a:lnTo>
-                    <a:pt x="49628" y="1310596"/>
-                  </a:lnTo>
-                  <a:lnTo>
-                    <a:pt x="52385" y="1383323"/>
-                  </a:lnTo>
-                  <a:lnTo>
-                    <a:pt x="55142" y="1456050"/>
-                  </a:lnTo>
-                  <a:lnTo>
-                    <a:pt x="57899" y="1528776"/>
-                  </a:lnTo>
-                  <a:lnTo>
-                    <a:pt x="60656" y="1601503"/>
-                  </a:lnTo>
-                  <a:lnTo>
-                    <a:pt x="63414" y="1674230"/>
-                  </a:lnTo>
-                  <a:lnTo>
-                    <a:pt x="66171" y="1746957"/>
-                  </a:lnTo>
-                  <a:lnTo>
-                    <a:pt x="68928" y="1819684"/>
-                  </a:lnTo>
-                  <a:lnTo>
-                    <a:pt x="71685" y="1892410"/>
-                  </a:lnTo>
-                  <a:lnTo>
-                    <a:pt x="74442" y="1965137"/>
-                  </a:lnTo>
-                  <a:lnTo>
-                    <a:pt x="77199" y="2037864"/>
+                    <a:pt x="75300" y="1919128"/>
+                  </a:lnTo>
+                  <a:lnTo>
+                    <a:pt x="75300" y="1850587"/>
+                  </a:lnTo>
+                  <a:lnTo>
+                    <a:pt x="75300" y="1782047"/>
+                  </a:lnTo>
+                  <a:lnTo>
+                    <a:pt x="75300" y="1713507"/>
+                  </a:lnTo>
+                  <a:lnTo>
+                    <a:pt x="75300" y="1644966"/>
+                  </a:lnTo>
+                  <a:lnTo>
+                    <a:pt x="75300" y="1576426"/>
+                  </a:lnTo>
+                  <a:lnTo>
+                    <a:pt x="75300" y="1507886"/>
+                  </a:lnTo>
+                  <a:lnTo>
+                    <a:pt x="75300" y="1439346"/>
+                  </a:lnTo>
+                  <a:lnTo>
+                    <a:pt x="75300" y="1370805"/>
+                  </a:lnTo>
+                  <a:lnTo>
+                    <a:pt x="75300" y="1302265"/>
+                  </a:lnTo>
+                  <a:lnTo>
+                    <a:pt x="75300" y="1233725"/>
+                  </a:lnTo>
+                  <a:lnTo>
+                    <a:pt x="75300" y="1165184"/>
+                  </a:lnTo>
+                  <a:lnTo>
+                    <a:pt x="75300" y="1096644"/>
+                  </a:lnTo>
+                  <a:lnTo>
+                    <a:pt x="75300" y="1028104"/>
+                  </a:lnTo>
+                  <a:lnTo>
+                    <a:pt x="75300" y="959564"/>
+                  </a:lnTo>
+                  <a:lnTo>
+                    <a:pt x="75300" y="891023"/>
+                  </a:lnTo>
+                  <a:lnTo>
+                    <a:pt x="75300" y="822483"/>
+                  </a:lnTo>
+                  <a:lnTo>
+                    <a:pt x="75300" y="753943"/>
+                  </a:lnTo>
+                  <a:lnTo>
+                    <a:pt x="75300" y="685402"/>
+                  </a:lnTo>
+                  <a:lnTo>
+                    <a:pt x="75300" y="616862"/>
+                  </a:lnTo>
+                  <a:lnTo>
+                    <a:pt x="75300" y="548322"/>
+                  </a:lnTo>
+                  <a:lnTo>
+                    <a:pt x="75300" y="479782"/>
+                  </a:lnTo>
+                  <a:lnTo>
+                    <a:pt x="75300" y="411241"/>
+                  </a:lnTo>
+                  <a:lnTo>
+                    <a:pt x="75300" y="342701"/>
+                  </a:lnTo>
+                  <a:lnTo>
+                    <a:pt x="75300" y="274161"/>
+                  </a:lnTo>
+                  <a:lnTo>
+                    <a:pt x="75300" y="205620"/>
+                  </a:lnTo>
+                  <a:lnTo>
+                    <a:pt x="75300" y="137080"/>
+                  </a:lnTo>
+                  <a:lnTo>
+                    <a:pt x="75300" y="68540"/>
+                  </a:lnTo>
+                  <a:lnTo>
+                    <a:pt x="75300" y="0"/>
+                  </a:lnTo>
+                  <a:lnTo>
+                    <a:pt x="0" y="1426"/>
+                  </a:lnTo>
+                  <a:lnTo>
+                    <a:pt x="2596" y="69917"/>
+                  </a:lnTo>
+                  <a:lnTo>
+                    <a:pt x="5193" y="138409"/>
+                  </a:lnTo>
+                  <a:lnTo>
+                    <a:pt x="7789" y="206900"/>
+                  </a:lnTo>
+                  <a:lnTo>
+                    <a:pt x="10386" y="275391"/>
+                  </a:lnTo>
+                  <a:lnTo>
+                    <a:pt x="12982" y="343882"/>
+                  </a:lnTo>
+                  <a:lnTo>
+                    <a:pt x="15579" y="412373"/>
+                  </a:lnTo>
+                  <a:lnTo>
+                    <a:pt x="18175" y="480864"/>
+                  </a:lnTo>
+                  <a:lnTo>
+                    <a:pt x="20772" y="549355"/>
+                  </a:lnTo>
+                  <a:lnTo>
+                    <a:pt x="23368" y="617846"/>
+                  </a:lnTo>
+                  <a:lnTo>
+                    <a:pt x="25965" y="686337"/>
+                  </a:lnTo>
+                  <a:lnTo>
+                    <a:pt x="28562" y="754828"/>
+                  </a:lnTo>
+                  <a:lnTo>
+                    <a:pt x="31158" y="823319"/>
+                  </a:lnTo>
+                  <a:lnTo>
+                    <a:pt x="33755" y="891810"/>
+                  </a:lnTo>
+                  <a:lnTo>
+                    <a:pt x="36351" y="960302"/>
+                  </a:lnTo>
+                  <a:lnTo>
+                    <a:pt x="38948" y="1028793"/>
+                  </a:lnTo>
+                  <a:lnTo>
+                    <a:pt x="41544" y="1097284"/>
+                  </a:lnTo>
+                  <a:lnTo>
+                    <a:pt x="44141" y="1165775"/>
+                  </a:lnTo>
+                  <a:lnTo>
+                    <a:pt x="46737" y="1234266"/>
+                  </a:lnTo>
+                  <a:lnTo>
+                    <a:pt x="49334" y="1302757"/>
+                  </a:lnTo>
+                  <a:lnTo>
+                    <a:pt x="51931" y="1371248"/>
+                  </a:lnTo>
+                  <a:lnTo>
+                    <a:pt x="54527" y="1439739"/>
+                  </a:lnTo>
+                  <a:lnTo>
+                    <a:pt x="57124" y="1508230"/>
+                  </a:lnTo>
+                  <a:lnTo>
+                    <a:pt x="59720" y="1576721"/>
+                  </a:lnTo>
+                  <a:lnTo>
+                    <a:pt x="62317" y="1645212"/>
+                  </a:lnTo>
+                  <a:lnTo>
+                    <a:pt x="64913" y="1713703"/>
+                  </a:lnTo>
+                  <a:lnTo>
+                    <a:pt x="67510" y="1782195"/>
+                  </a:lnTo>
+                  <a:lnTo>
+                    <a:pt x="70106" y="1850686"/>
+                  </a:lnTo>
+                  <a:lnTo>
+                    <a:pt x="72703" y="1919177"/>
                   </a:lnTo>
                   <a:close/>
                 </a:path>
@@ -6929,7 +6983,7 @@
           </p:nvSpPr>
           <p:spPr>
             <a:xfrm>
-              <a:off x="4915020" y="3706315"/>
+              <a:off x="4833445" y="3560473"/>
               <a:ext cx="1194568" cy="202257"/>
             </a:xfrm>
             <a:prstGeom prst="rect">
@@ -6975,7 +7029,7 @@
           </p:nvSpPr>
           <p:spPr>
             <a:xfrm>
-              <a:off x="3780516" y="5208323"/>
+              <a:off x="3761313" y="4975003"/>
               <a:ext cx="1321705" cy="202257"/>
             </a:xfrm>
             <a:prstGeom prst="rect">
@@ -7021,7 +7075,7 @@
           </p:nvSpPr>
           <p:spPr>
             <a:xfrm>
-              <a:off x="3135387" y="5117383"/>
+              <a:off x="3173922" y="4891407"/>
               <a:ext cx="629208" cy="167096"/>
             </a:xfrm>
             <a:prstGeom prst="rect">
@@ -7067,7 +7121,7 @@
           </p:nvSpPr>
           <p:spPr>
             <a:xfrm>
-              <a:off x="2799223" y="4867652"/>
+              <a:off x="2857337" y="4656220"/>
               <a:ext cx="629208" cy="167096"/>
             </a:xfrm>
             <a:prstGeom prst="rect">
@@ -7113,7 +7167,7 @@
           </p:nvSpPr>
           <p:spPr>
             <a:xfrm>
-              <a:off x="2051170" y="3984869"/>
+              <a:off x="2132686" y="3822804"/>
               <a:ext cx="1321705" cy="202257"/>
             </a:xfrm>
             <a:prstGeom prst="rect">
@@ -7159,7 +7213,7 @@
           </p:nvSpPr>
           <p:spPr>
             <a:xfrm>
-              <a:off x="2663435" y="2719844"/>
+              <a:off x="2712994" y="2631455"/>
               <a:ext cx="1194568" cy="202257"/>
             </a:xfrm>
             <a:prstGeom prst="rect">
@@ -7205,7 +7259,7 @@
           </p:nvSpPr>
           <p:spPr>
             <a:xfrm>
-              <a:off x="3946452" y="1495827"/>
+              <a:off x="3946452" y="1480462"/>
               <a:ext cx="330398" cy="172454"/>
             </a:xfrm>
             <a:prstGeom prst="rect">
@@ -7251,7 +7305,7 @@
           </p:nvSpPr>
           <p:spPr>
             <a:xfrm>
-              <a:off x="5278530" y="1949300"/>
+              <a:off x="5197246" y="1907524"/>
               <a:ext cx="457534" cy="172454"/>
             </a:xfrm>
             <a:prstGeom prst="rect">
@@ -7297,7 +7351,7 @@
           </p:nvSpPr>
           <p:spPr>
             <a:xfrm>
-              <a:off x="5613758" y="5495641"/>
+              <a:off x="5512950" y="5247323"/>
               <a:ext cx="457534" cy="172454"/>
             </a:xfrm>
             <a:prstGeom prst="rect">
@@ -7343,7 +7397,7 @@
           </p:nvSpPr>
           <p:spPr>
             <a:xfrm>
-              <a:off x="3149149" y="6128445"/>
+              <a:off x="3191882" y="5843272"/>
               <a:ext cx="457534" cy="172454"/>
             </a:xfrm>
             <a:prstGeom prst="rect">
@@ -7389,7 +7443,7 @@
           </p:nvSpPr>
           <p:spPr>
             <a:xfrm>
-              <a:off x="2487238" y="5791184"/>
+              <a:off x="2568521" y="5525653"/>
               <a:ext cx="457534" cy="172454"/>
             </a:xfrm>
             <a:prstGeom prst="rect">
@@ -7435,7 +7489,7 @@
           </p:nvSpPr>
           <p:spPr>
             <a:xfrm>
-              <a:off x="1961942" y="5265888"/>
+              <a:off x="2073819" y="5030951"/>
               <a:ext cx="457534" cy="172454"/>
             </a:xfrm>
             <a:prstGeom prst="rect">
@@ -7481,7 +7535,7 @@
           </p:nvSpPr>
           <p:spPr>
             <a:xfrm>
-              <a:off x="1734449" y="2859265"/>
+              <a:off x="1859576" y="2764492"/>
               <a:ext cx="457534" cy="172454"/>
             </a:xfrm>
             <a:prstGeom prst="rect">
@@ -7527,7 +7581,7 @@
           </p:nvSpPr>
           <p:spPr>
             <a:xfrm>
-              <a:off x="3437963" y="1537884"/>
+              <a:off x="3463875" y="1520070"/>
               <a:ext cx="457534" cy="172454"/>
             </a:xfrm>
             <a:prstGeom prst="rect">
@@ -7573,7 +7627,7 @@
           </p:nvSpPr>
           <p:spPr>
             <a:xfrm>
-              <a:off x="6863763" y="3586324"/>
+              <a:off x="6710109" y="3432671"/>
               <a:ext cx="741461" cy="749108"/>
             </a:xfrm>
             <a:prstGeom prst="rect">
@@ -7599,7 +7653,7 @@
           </p:nvSpPr>
           <p:spPr>
             <a:xfrm>
-              <a:off x="6863763" y="3562270"/>
+              <a:off x="6710109" y="3408616"/>
               <a:ext cx="406747" cy="211745"/>
             </a:xfrm>
             <a:prstGeom prst="rect">
@@ -7645,7 +7699,7 @@
           </p:nvSpPr>
           <p:spPr>
             <a:xfrm>
-              <a:off x="6863763" y="3911942"/>
+              <a:off x="6710109" y="3758289"/>
               <a:ext cx="182879" cy="211745"/>
             </a:xfrm>
             <a:prstGeom prst="rect">
@@ -7671,7 +7725,7 @@
           </p:nvSpPr>
           <p:spPr>
             <a:xfrm>
-              <a:off x="6868508" y="3916687"/>
+              <a:off x="6714854" y="3763033"/>
               <a:ext cx="173390" cy="202255"/>
             </a:xfrm>
             <a:prstGeom prst="rect">
@@ -7706,7 +7760,7 @@
           </p:nvSpPr>
           <p:spPr>
             <a:xfrm>
-              <a:off x="6863763" y="4123687"/>
+              <a:off x="6710109" y="3970034"/>
               <a:ext cx="182879" cy="211745"/>
             </a:xfrm>
             <a:prstGeom prst="rect">
@@ -7732,7 +7786,7 @@
           </p:nvSpPr>
           <p:spPr>
             <a:xfrm>
-              <a:off x="6868508" y="4128432"/>
+              <a:off x="6714854" y="3974779"/>
               <a:ext cx="173390" cy="202255"/>
             </a:xfrm>
             <a:prstGeom prst="rect">
@@ -7767,7 +7821,7 @@
           </p:nvSpPr>
           <p:spPr>
             <a:xfrm>
-              <a:off x="7160516" y="3935438"/>
+              <a:off x="7006862" y="3781785"/>
               <a:ext cx="387771" cy="164194"/>
             </a:xfrm>
             <a:prstGeom prst="rect">
@@ -7813,7 +7867,7 @@
           </p:nvSpPr>
           <p:spPr>
             <a:xfrm>
-              <a:off x="7160516" y="4147184"/>
+              <a:off x="7006862" y="3993530"/>
               <a:ext cx="387771" cy="164194"/>
             </a:xfrm>
             <a:prstGeom prst="rect">
@@ -7847,6 +7901,52 @@
                   <a:cs typeface="Arial"/>
                 </a:rPr>
                 <a:t>55+</a:t>
+              </a:r>
+            </a:p>
+          </p:txBody>
+        </p:sp>
+        <p:sp>
+          <p:nvSpPr>
+            <p:cNvPr id="40" name="tx38"/>
+            <p:cNvSpPr/>
+            <p:nvPr/>
+          </p:nvSpPr>
+          <p:spPr>
+            <a:xfrm>
+              <a:off x="1570129" y="6605431"/>
+              <a:ext cx="2094457" cy="117580"/>
+            </a:xfrm>
+            <a:prstGeom prst="rect">
+              <a:avLst/>
+            </a:prstGeom>
+            <a:noFill/>
+          </p:spPr>
+          <p:txBody>
+            <a:bodyPr lIns="0" rIns="0" tIns="0" bIns="0" anchorCtr="1" anchor="ctr" wrap="none"/>
+            <a:lstStyle/>
+            <a:p>
+              <a:pPr algn="l" marL="0" marR="0" indent="0">
+                <a:lnSpc>
+                  <a:spcPts val="999"/>
+                </a:lnSpc>
+                <a:spcBef>
+                  <a:spcPts val="0"/>
+                </a:spcBef>
+                <a:spcAft>
+                  <a:spcPts val="0"/>
+                </a:spcAft>
+              </a:pPr>
+              <a:r>
+                <a:rPr sz="999" i="1">
+                  <a:solidFill>
+                    <a:srgbClr val="000000">
+                      <a:alpha val="100000"/>
+                    </a:srgbClr>
+                  </a:solidFill>
+                  <a:latin typeface="Arial"/>
+                  <a:cs typeface="Arial"/>
+                </a:rPr>
+                <a:t>Source: ATO 2017-18 2% sample file</a:t>
               </a:r>
             </a:p>
           </p:txBody>
